--- a/Examples/src/main/resources/com/aspose/slides/examples/SmartArt/ManageSmartArtStyle/smartartcolorstyle/ChangeSmartArtColorStyle.pptx
+++ b/Examples/src/main/resources/com/aspose/slides/examples/SmartArt/ManageSmartArtStyle/smartartcolorstyle/ChangeSmartArtColorStyle.pptx
@@ -1,6 +1,6 @@
 
 <file path=ppt/presentation.xml><?xml version="1.0" encoding="utf-8"?>
-<!--Generated by Aspose.Slides for Java 14.7.0.0-->
+<!--Generated by Aspose.Slides for Java 15.5.0.0-->
 <p:presentation xmlns:r="http://schemas.openxmlformats.org/officeDocument/2006/relationships" xmlns:a="http://schemas.openxmlformats.org/drawingml/2006/main" xmlns:p="http://schemas.openxmlformats.org/presentationml/2006/main" saveSubsetFonts="1">
   <p:sldMasterIdLst>
     <p:sldMasterId id="2147483648" r:id="rId1"/>
@@ -15,13 +15,16 @@
   </p:custDataLst>
   <p:defaultTextStyle>
     <a:defPPr>
-      <a:defRPr lang="en-US"/>
+      <a:defRPr lang="en-US">
+        <a:effectLst/>
+      </a:defRPr>
     </a:defPPr>
     <a:lvl1pPr marL="0" algn="l" defTabSz="914400" rtl="0" eaLnBrk="1" latinLnBrk="0" hangingPunct="1">
       <a:defRPr sz="1800" kern="1200">
         <a:solidFill>
           <a:schemeClr val="tx1"/>
         </a:solidFill>
+        <a:effectLst/>
         <a:latin typeface="+mn-lt"/>
         <a:ea typeface="+mn-ea"/>
         <a:cs typeface="+mn-cs"/>
@@ -32,6 +35,7 @@
         <a:solidFill>
           <a:schemeClr val="tx1"/>
         </a:solidFill>
+        <a:effectLst/>
         <a:latin typeface="+mn-lt"/>
         <a:ea typeface="+mn-ea"/>
         <a:cs typeface="+mn-cs"/>
@@ -42,6 +46,7 @@
         <a:solidFill>
           <a:schemeClr val="tx1"/>
         </a:solidFill>
+        <a:effectLst/>
         <a:latin typeface="+mn-lt"/>
         <a:ea typeface="+mn-ea"/>
         <a:cs typeface="+mn-cs"/>
@@ -52,6 +57,7 @@
         <a:solidFill>
           <a:schemeClr val="tx1"/>
         </a:solidFill>
+        <a:effectLst/>
         <a:latin typeface="+mn-lt"/>
         <a:ea typeface="+mn-ea"/>
         <a:cs typeface="+mn-cs"/>
@@ -62,6 +68,7 @@
         <a:solidFill>
           <a:schemeClr val="tx1"/>
         </a:solidFill>
+        <a:effectLst/>
         <a:latin typeface="+mn-lt"/>
         <a:ea typeface="+mn-ea"/>
         <a:cs typeface="+mn-cs"/>
@@ -72,6 +79,7 @@
         <a:solidFill>
           <a:schemeClr val="tx1"/>
         </a:solidFill>
+        <a:effectLst/>
         <a:latin typeface="+mn-lt"/>
         <a:ea typeface="+mn-ea"/>
         <a:cs typeface="+mn-cs"/>
@@ -82,6 +90,7 @@
         <a:solidFill>
           <a:schemeClr val="tx1"/>
         </a:solidFill>
+        <a:effectLst/>
         <a:latin typeface="+mn-lt"/>
         <a:ea typeface="+mn-ea"/>
         <a:cs typeface="+mn-cs"/>
@@ -92,6 +101,7 @@
         <a:solidFill>
           <a:schemeClr val="tx1"/>
         </a:solidFill>
+        <a:effectLst/>
         <a:latin typeface="+mn-lt"/>
         <a:ea typeface="+mn-ea"/>
         <a:cs typeface="+mn-cs"/>
@@ -102,6 +112,7 @@
         <a:solidFill>
           <a:schemeClr val="tx1"/>
         </a:solidFill>
+        <a:effectLst/>
         <a:latin typeface="+mn-lt"/>
         <a:ea typeface="+mn-ea"/>
         <a:cs typeface="+mn-cs"/>
@@ -1034,24 +1045,28 @@
 <dgm:dataModel xmlns:a="http://schemas.openxmlformats.org/drawingml/2006/main" xmlns:r="http://schemas.openxmlformats.org/officeDocument/2006/relationships" xmlns:dgm="http://schemas.openxmlformats.org/drawingml/2006/diagram">
   <dgm:ptLst>
     <dgm:pt modelId="{71788355-5C90-4EF2-B8CB-20B3607734AA}" type="doc">
-      <dgm:prSet loTypeId="urn:microsoft.com/office/officeart/2005/8/layout/default" loCatId="list" qsTypeId="urn:microsoft.com/office/officeart/2005/8/quickstyle/simple1" csTypeId="urn:microsoft.com/office/officeart/2005/8/colors/colorful1" phldr="0"/>
+      <dgm:prSet loTypeId="urn:microsoft.com/office/officeart/2005/8/layout/default" loCatId="list" qsTypeId="urn:microsoft.com/office/officeart/2005/8/quickstyle/simple1" csTypeId="urn:microsoft.com/office/officeart/2005/8/colors/colorful1" csCatId="colorful" phldr="0"/>
       <dgm:spPr/>
       <dgm:t>
         <a:bodyPr/>
         <a:lstStyle/>
         <a:p>
-          <a:endParaRPr lang="en-US"/>
+          <a:endParaRPr lang="en-US">
+            <a:effectLst/>
+          </a:endParaRPr>
         </a:p>
       </dgm:t>
     </dgm:pt>
-    <dgm:pt modelId="{5F45D818-FF2E-4103-B428-6BCDF4646EDC}" type="parTrans" cxnId="{066CF206-6308-4BA7-87D2-0B79D148C962}">
+    <dgm:pt modelId="{5F45D818-FF2E-4103-B428-6BCDF4646EDC}" type="parTrans" cxnId="{D79DA3D4-4E9E-417D-B117-F1068096E04F}">
       <dgm:prSet/>
       <dgm:spPr/>
       <dgm:t>
         <a:bodyPr/>
         <a:lstStyle/>
         <a:p>
-          <a:endParaRPr lang="en-US"/>
+          <a:endParaRPr lang="en-US">
+            <a:effectLst/>
+          </a:endParaRPr>
         </a:p>
       </dgm:t>
     </dgm:pt>
@@ -1062,29 +1077,35 @@
         <a:bodyPr/>
         <a:lstStyle/>
         <a:p>
-          <a:endParaRPr lang="en-US"/>
+          <a:endParaRPr lang="en-US">
+            <a:effectLst/>
+          </a:endParaRPr>
         </a:p>
       </dgm:t>
     </dgm:pt>
-    <dgm:pt modelId="{9C924E15-985F-4B73-BE24-41329DDEDEC6}" type="sibTrans" cxnId="{066CF206-6308-4BA7-87D2-0B79D148C962}">
+    <dgm:pt modelId="{9C924E15-985F-4B73-BE24-41329DDEDEC6}" type="sibTrans" cxnId="{D79DA3D4-4E9E-417D-B117-F1068096E04F}">
       <dgm:prSet/>
       <dgm:spPr/>
       <dgm:t>
         <a:bodyPr/>
         <a:lstStyle/>
         <a:p>
-          <a:endParaRPr lang="en-US"/>
+          <a:endParaRPr lang="en-US">
+            <a:effectLst/>
+          </a:endParaRPr>
         </a:p>
       </dgm:t>
     </dgm:pt>
-    <dgm:pt modelId="{1F952260-42AC-49D9-840E-A357B7316C32}" type="parTrans" cxnId="{1EE2BF33-EC65-4A34-99B6-F1D210183724}">
+    <dgm:pt modelId="{1F952260-42AC-49D9-840E-A357B7316C32}" type="parTrans" cxnId="{02B6F0AF-1B07-47F9-B4E9-E84038E5E3F0}">
       <dgm:prSet/>
       <dgm:spPr/>
       <dgm:t>
         <a:bodyPr/>
         <a:lstStyle/>
         <a:p>
-          <a:endParaRPr lang="en-US"/>
+          <a:endParaRPr lang="en-US">
+            <a:effectLst/>
+          </a:endParaRPr>
         </a:p>
       </dgm:t>
     </dgm:pt>
@@ -1095,29 +1116,35 @@
         <a:bodyPr/>
         <a:lstStyle/>
         <a:p>
-          <a:endParaRPr lang="en-US"/>
+          <a:endParaRPr lang="en-US">
+            <a:effectLst/>
+          </a:endParaRPr>
         </a:p>
       </dgm:t>
     </dgm:pt>
-    <dgm:pt modelId="{2DA82B40-F45D-4EF8-9B15-0E5E5794AC98}" type="sibTrans" cxnId="{1EE2BF33-EC65-4A34-99B6-F1D210183724}">
+    <dgm:pt modelId="{2DA82B40-F45D-4EF8-9B15-0E5E5794AC98}" type="sibTrans" cxnId="{02B6F0AF-1B07-47F9-B4E9-E84038E5E3F0}">
       <dgm:prSet/>
       <dgm:spPr/>
       <dgm:t>
         <a:bodyPr/>
         <a:lstStyle/>
         <a:p>
-          <a:endParaRPr lang="en-US"/>
+          <a:endParaRPr lang="en-US">
+            <a:effectLst/>
+          </a:endParaRPr>
         </a:p>
       </dgm:t>
     </dgm:pt>
-    <dgm:pt modelId="{3868496B-30F8-4CF5-864E-271C593682F9}" type="parTrans" cxnId="{C8549792-5427-4941-8B35-6E4C93F2EAA5}">
+    <dgm:pt modelId="{3868496B-30F8-4CF5-864E-271C593682F9}" type="parTrans" cxnId="{C168DEE1-D242-4A97-8840-C22126450442}">
       <dgm:prSet/>
       <dgm:spPr/>
       <dgm:t>
         <a:bodyPr/>
         <a:lstStyle/>
         <a:p>
-          <a:endParaRPr lang="en-US"/>
+          <a:endParaRPr lang="en-US">
+            <a:effectLst/>
+          </a:endParaRPr>
         </a:p>
       </dgm:t>
     </dgm:pt>
@@ -1128,29 +1155,35 @@
         <a:bodyPr/>
         <a:lstStyle/>
         <a:p>
-          <a:endParaRPr lang="en-US"/>
+          <a:endParaRPr lang="en-US">
+            <a:effectLst/>
+          </a:endParaRPr>
         </a:p>
       </dgm:t>
     </dgm:pt>
-    <dgm:pt modelId="{2A27DB49-7BAF-4A32-AFAA-E4A8B27C23E7}" type="sibTrans" cxnId="{C8549792-5427-4941-8B35-6E4C93F2EAA5}">
+    <dgm:pt modelId="{2A27DB49-7BAF-4A32-AFAA-E4A8B27C23E7}" type="sibTrans" cxnId="{C168DEE1-D242-4A97-8840-C22126450442}">
       <dgm:prSet/>
       <dgm:spPr/>
       <dgm:t>
         <a:bodyPr/>
         <a:lstStyle/>
         <a:p>
-          <a:endParaRPr lang="en-US"/>
+          <a:endParaRPr lang="en-US">
+            <a:effectLst/>
+          </a:endParaRPr>
         </a:p>
       </dgm:t>
     </dgm:pt>
-    <dgm:pt modelId="{801FB6EB-9D3B-4018-849C-E6F7EB73C647}" type="parTrans" cxnId="{4E5966EA-F515-46BA-9325-529F1F6E598D}">
+    <dgm:pt modelId="{801FB6EB-9D3B-4018-849C-E6F7EB73C647}" type="parTrans" cxnId="{1C6F5A1F-3DF8-4A32-8B42-C7E779787C5D}">
       <dgm:prSet/>
       <dgm:spPr/>
       <dgm:t>
         <a:bodyPr/>
         <a:lstStyle/>
         <a:p>
-          <a:endParaRPr lang="en-US"/>
+          <a:endParaRPr lang="en-US">
+            <a:effectLst/>
+          </a:endParaRPr>
         </a:p>
       </dgm:t>
     </dgm:pt>
@@ -1161,29 +1194,35 @@
         <a:bodyPr/>
         <a:lstStyle/>
         <a:p>
-          <a:endParaRPr lang="en-US"/>
+          <a:endParaRPr lang="en-US">
+            <a:effectLst/>
+          </a:endParaRPr>
         </a:p>
       </dgm:t>
     </dgm:pt>
-    <dgm:pt modelId="{F745D90F-FA75-4156-9E2C-BF397E335841}" type="sibTrans" cxnId="{4E5966EA-F515-46BA-9325-529F1F6E598D}">
+    <dgm:pt modelId="{F745D90F-FA75-4156-9E2C-BF397E335841}" type="sibTrans" cxnId="{1C6F5A1F-3DF8-4A32-8B42-C7E779787C5D}">
       <dgm:prSet/>
       <dgm:spPr/>
       <dgm:t>
         <a:bodyPr/>
         <a:lstStyle/>
         <a:p>
-          <a:endParaRPr lang="en-US"/>
+          <a:endParaRPr lang="en-US">
+            <a:effectLst/>
+          </a:endParaRPr>
         </a:p>
       </dgm:t>
     </dgm:pt>
-    <dgm:pt modelId="{5A5377AB-368B-4C65-A41A-0D09B46EB2D2}" type="parTrans" cxnId="{4A795D6E-E769-425A-AE78-D7930D515A6D}">
+    <dgm:pt modelId="{5A5377AB-368B-4C65-A41A-0D09B46EB2D2}" type="parTrans" cxnId="{A90E9904-24F6-4420-92EB-2791A63C8520}">
       <dgm:prSet/>
       <dgm:spPr/>
       <dgm:t>
         <a:bodyPr/>
         <a:lstStyle/>
         <a:p>
-          <a:endParaRPr lang="en-US"/>
+          <a:endParaRPr lang="en-US">
+            <a:effectLst/>
+          </a:endParaRPr>
         </a:p>
       </dgm:t>
     </dgm:pt>
@@ -1194,18 +1233,22 @@
         <a:bodyPr/>
         <a:lstStyle/>
         <a:p>
-          <a:endParaRPr lang="en-US"/>
+          <a:endParaRPr lang="en-US">
+            <a:effectLst/>
+          </a:endParaRPr>
         </a:p>
       </dgm:t>
     </dgm:pt>
-    <dgm:pt modelId="{147B2DE2-3F50-42C1-B5DA-A648021D9BED}" type="sibTrans" cxnId="{4A795D6E-E769-425A-AE78-D7930D515A6D}">
+    <dgm:pt modelId="{147B2DE2-3F50-42C1-B5DA-A648021D9BED}" type="sibTrans" cxnId="{A90E9904-24F6-4420-92EB-2791A63C8520}">
       <dgm:prSet/>
       <dgm:spPr/>
       <dgm:t>
         <a:bodyPr/>
         <a:lstStyle/>
         <a:p>
-          <a:endParaRPr lang="en-US"/>
+          <a:endParaRPr lang="en-US">
+            <a:effectLst/>
+          </a:endParaRPr>
         </a:p>
       </dgm:t>
     </dgm:pt>
@@ -1326,31 +1369,31 @@
     </dgm:pt>
   </dgm:ptLst>
   <dgm:cxnLst>
-    <dgm:cxn modelId="{066CF206-6308-4BA7-87D2-0B79D148C962}" srcId="{71788355-5C90-4EF2-B8CB-20B3607734AA}" destId="{F3126B05-B37A-4D96-A264-97F053F506AB}" srcOrd="0" destOrd="0" parTransId="{5F45D818-FF2E-4103-B428-6BCDF4646EDC}" sibTransId="{9C924E15-985F-4B73-BE24-41329DDEDEC6}"/>
-    <dgm:cxn modelId="{1EE2BF33-EC65-4A34-99B6-F1D210183724}" srcId="{71788355-5C90-4EF2-B8CB-20B3607734AA}" destId="{2836ACBB-6F73-46E9-B6A8-00EDA551E2C7}" srcOrd="1" destOrd="0" parTransId="{1F952260-42AC-49D9-840E-A357B7316C32}" sibTransId="{2DA82B40-F45D-4EF8-9B15-0E5E5794AC98}"/>
-    <dgm:cxn modelId="{C8549792-5427-4941-8B35-6E4C93F2EAA5}" srcId="{71788355-5C90-4EF2-B8CB-20B3607734AA}" destId="{A45B5A3F-BC60-4DC9-ADBC-E6EC3940CF2E}" srcOrd="2" destOrd="0" parTransId="{3868496B-30F8-4CF5-864E-271C593682F9}" sibTransId="{2A27DB49-7BAF-4A32-AFAA-E4A8B27C23E7}"/>
-    <dgm:cxn modelId="{4E5966EA-F515-46BA-9325-529F1F6E598D}" srcId="{71788355-5C90-4EF2-B8CB-20B3607734AA}" destId="{4147591B-333F-44D3-B914-CC481B3F8D70}" srcOrd="3" destOrd="0" parTransId="{801FB6EB-9D3B-4018-849C-E6F7EB73C647}" sibTransId="{F745D90F-FA75-4156-9E2C-BF397E335841}"/>
-    <dgm:cxn modelId="{4A795D6E-E769-425A-AE78-D7930D515A6D}" srcId="{71788355-5C90-4EF2-B8CB-20B3607734AA}" destId="{53BC487E-9799-4CFB-9730-8BE7B982A666}" srcOrd="4" destOrd="0" parTransId="{5A5377AB-368B-4C65-A41A-0D09B46EB2D2}" sibTransId="{147B2DE2-3F50-42C1-B5DA-A648021D9BED}"/>
-    <dgm:cxn modelId="{3C384E1C-6936-484A-8533-1D43E4D22483}" type="presOf" srcId="{71788355-5C90-4EF2-B8CB-20B3607734AA}" destId="{A2480343-D114-4088-B0EA-D7225FA038B7}" srcOrd="0" destOrd="0" presId="urn:microsoft.com/office/officeart/2005/8/layout/default"/>
-    <dgm:cxn modelId="{9F227B4B-3145-466E-9441-3CEABD8FD56B}" type="presParOf" srcId="{A2480343-D114-4088-B0EA-D7225FA038B7}" destId="{3886CA23-09D4-459C-813A-6B8DA4B820D0}" srcOrd="0" destOrd="0" presId="urn:microsoft.com/office/officeart/2005/8/layout/default"/>
-    <dgm:cxn modelId="{855E1E5C-BF67-4C1E-8F4B-C323C071AB53}" type="presOf" srcId="{F3126B05-B37A-4D96-A264-97F053F506AB}" destId="{3886CA23-09D4-459C-813A-6B8DA4B820D0}" srcOrd="0" destOrd="0" presId="urn:microsoft.com/office/officeart/2005/8/layout/default"/>
-    <dgm:cxn modelId="{D71D68D3-C28E-408F-919D-D82AFEC15F4D}" type="presParOf" srcId="{A2480343-D114-4088-B0EA-D7225FA038B7}" destId="{3E499DBE-A449-4766-95EC-32B81EED08CC}" srcOrd="1" destOrd="0" presId="urn:microsoft.com/office/officeart/2005/8/layout/default"/>
-    <dgm:cxn modelId="{ADA9179C-8B60-4479-8E21-E577AD89A47A}" type="presParOf" srcId="{A2480343-D114-4088-B0EA-D7225FA038B7}" destId="{BE93A411-DE81-4766-91A5-81368CB85AE3}" srcOrd="2" destOrd="0" presId="urn:microsoft.com/office/officeart/2005/8/layout/default"/>
-    <dgm:cxn modelId="{837BC58C-BB53-4D40-933A-6545EA994353}" type="presOf" srcId="{2836ACBB-6F73-46E9-B6A8-00EDA551E2C7}" destId="{BE93A411-DE81-4766-91A5-81368CB85AE3}" srcOrd="0" destOrd="0" presId="urn:microsoft.com/office/officeart/2005/8/layout/default"/>
-    <dgm:cxn modelId="{6A7C6087-DF90-4D76-8182-325605DB3DF6}" type="presParOf" srcId="{A2480343-D114-4088-B0EA-D7225FA038B7}" destId="{5AC46D07-1E3D-40D2-A23E-ED73599D5157}" srcOrd="3" destOrd="0" presId="urn:microsoft.com/office/officeart/2005/8/layout/default"/>
-    <dgm:cxn modelId="{AA81EA61-2AFF-4559-BC48-6DFD4D0D60F8}" type="presParOf" srcId="{A2480343-D114-4088-B0EA-D7225FA038B7}" destId="{D02DBA44-DFBE-460D-8EC2-15044911DD5F}" srcOrd="4" destOrd="0" presId="urn:microsoft.com/office/officeart/2005/8/layout/default"/>
-    <dgm:cxn modelId="{82330E5F-B842-41FE-9CFE-B2E223E89FF3}" type="presOf" srcId="{A45B5A3F-BC60-4DC9-ADBC-E6EC3940CF2E}" destId="{D02DBA44-DFBE-460D-8EC2-15044911DD5F}" srcOrd="0" destOrd="0" presId="urn:microsoft.com/office/officeart/2005/8/layout/default"/>
-    <dgm:cxn modelId="{EA4078E5-0D7C-4D1B-8A7F-6AE91081C14C}" type="presParOf" srcId="{A2480343-D114-4088-B0EA-D7225FA038B7}" destId="{F62096A2-28F7-4459-8B2E-7DF1413EBB7C}" srcOrd="5" destOrd="0" presId="urn:microsoft.com/office/officeart/2005/8/layout/default"/>
-    <dgm:cxn modelId="{2D52086F-68C4-42B3-B76D-4B398F8D67AE}" type="presParOf" srcId="{A2480343-D114-4088-B0EA-D7225FA038B7}" destId="{5430CB7B-C3B5-45ED-9E02-051EB70FD26A}" srcOrd="6" destOrd="0" presId="urn:microsoft.com/office/officeart/2005/8/layout/default"/>
-    <dgm:cxn modelId="{3FEE7DC4-EB97-4D93-9AF3-BEDB6DFEF131}" type="presOf" srcId="{4147591B-333F-44D3-B914-CC481B3F8D70}" destId="{5430CB7B-C3B5-45ED-9E02-051EB70FD26A}" srcOrd="0" destOrd="0" presId="urn:microsoft.com/office/officeart/2005/8/layout/default"/>
-    <dgm:cxn modelId="{5046F21D-ED1D-4022-95F6-005B9245572F}" type="presParOf" srcId="{A2480343-D114-4088-B0EA-D7225FA038B7}" destId="{32F5AE09-5B1A-49AC-9480-E452BDBA6AD4}" srcOrd="7" destOrd="0" presId="urn:microsoft.com/office/officeart/2005/8/layout/default"/>
-    <dgm:cxn modelId="{B2B37870-554D-4802-B735-09E58A21E968}" type="presParOf" srcId="{A2480343-D114-4088-B0EA-D7225FA038B7}" destId="{BDCB7BFB-E2A3-4CCD-AB09-5CA5E01A6A3F}" srcOrd="8" destOrd="0" presId="urn:microsoft.com/office/officeart/2005/8/layout/default"/>
-    <dgm:cxn modelId="{FEC898F8-0332-401C-8F09-BB3F0EF49D2F}" type="presOf" srcId="{53BC487E-9799-4CFB-9730-8BE7B982A666}" destId="{BDCB7BFB-E2A3-4CCD-AB09-5CA5E01A6A3F}" srcOrd="0" destOrd="0" presId="urn:microsoft.com/office/officeart/2005/8/layout/default"/>
+    <dgm:cxn modelId="{D79DA3D4-4E9E-417D-B117-F1068096E04F}" srcId="{71788355-5C90-4EF2-B8CB-20B3607734AA}" destId="{F3126B05-B37A-4D96-A264-97F053F506AB}" srcOrd="0" destOrd="0" parTransId="{5F45D818-FF2E-4103-B428-6BCDF4646EDC}" sibTransId="{9C924E15-985F-4B73-BE24-41329DDEDEC6}"/>
+    <dgm:cxn modelId="{02B6F0AF-1B07-47F9-B4E9-E84038E5E3F0}" srcId="{71788355-5C90-4EF2-B8CB-20B3607734AA}" destId="{2836ACBB-6F73-46E9-B6A8-00EDA551E2C7}" srcOrd="1" destOrd="0" parTransId="{1F952260-42AC-49D9-840E-A357B7316C32}" sibTransId="{2DA82B40-F45D-4EF8-9B15-0E5E5794AC98}"/>
+    <dgm:cxn modelId="{C168DEE1-D242-4A97-8840-C22126450442}" srcId="{71788355-5C90-4EF2-B8CB-20B3607734AA}" destId="{A45B5A3F-BC60-4DC9-ADBC-E6EC3940CF2E}" srcOrd="2" destOrd="0" parTransId="{3868496B-30F8-4CF5-864E-271C593682F9}" sibTransId="{2A27DB49-7BAF-4A32-AFAA-E4A8B27C23E7}"/>
+    <dgm:cxn modelId="{1C6F5A1F-3DF8-4A32-8B42-C7E779787C5D}" srcId="{71788355-5C90-4EF2-B8CB-20B3607734AA}" destId="{4147591B-333F-44D3-B914-CC481B3F8D70}" srcOrd="3" destOrd="0" parTransId="{801FB6EB-9D3B-4018-849C-E6F7EB73C647}" sibTransId="{F745D90F-FA75-4156-9E2C-BF397E335841}"/>
+    <dgm:cxn modelId="{A90E9904-24F6-4420-92EB-2791A63C8520}" srcId="{71788355-5C90-4EF2-B8CB-20B3607734AA}" destId="{53BC487E-9799-4CFB-9730-8BE7B982A666}" srcOrd="4" destOrd="0" parTransId="{5A5377AB-368B-4C65-A41A-0D09B46EB2D2}" sibTransId="{147B2DE2-3F50-42C1-B5DA-A648021D9BED}"/>
+    <dgm:cxn modelId="{B3FF6F50-8C79-41EF-8CE5-4AE72CF49CFA}" type="presOf" srcId="{71788355-5C90-4EF2-B8CB-20B3607734AA}" destId="{A2480343-D114-4088-B0EA-D7225FA038B7}" srcOrd="0" destOrd="0" presId="urn:microsoft.com/office/officeart/2005/8/layout/default"/>
+    <dgm:cxn modelId="{21720AA0-8E05-4DB8-AC81-625E25CFB2EB}" type="presParOf" srcId="{A2480343-D114-4088-B0EA-D7225FA038B7}" destId="{3886CA23-09D4-459C-813A-6B8DA4B820D0}" srcOrd="0" destOrd="0" presId="urn:microsoft.com/office/officeart/2005/8/layout/default"/>
+    <dgm:cxn modelId="{895433DE-D869-4169-9D36-83C8FA51D477}" type="presOf" srcId="{F3126B05-B37A-4D96-A264-97F053F506AB}" destId="{3886CA23-09D4-459C-813A-6B8DA4B820D0}" srcOrd="0" destOrd="0" presId="urn:microsoft.com/office/officeart/2005/8/layout/default"/>
+    <dgm:cxn modelId="{A5D4ECCF-B088-48FD-A63D-9044B2A8C63E}" type="presParOf" srcId="{A2480343-D114-4088-B0EA-D7225FA038B7}" destId="{3E499DBE-A449-4766-95EC-32B81EED08CC}" srcOrd="1" destOrd="0" presId="urn:microsoft.com/office/officeart/2005/8/layout/default"/>
+    <dgm:cxn modelId="{1E80BD4E-B7E8-4A13-AC1C-DF06F64944AE}" type="presParOf" srcId="{A2480343-D114-4088-B0EA-D7225FA038B7}" destId="{BE93A411-DE81-4766-91A5-81368CB85AE3}" srcOrd="2" destOrd="0" presId="urn:microsoft.com/office/officeart/2005/8/layout/default"/>
+    <dgm:cxn modelId="{8399EC37-A06B-4F7F-B331-825C8F0656FB}" type="presOf" srcId="{2836ACBB-6F73-46E9-B6A8-00EDA551E2C7}" destId="{BE93A411-DE81-4766-91A5-81368CB85AE3}" srcOrd="0" destOrd="0" presId="urn:microsoft.com/office/officeart/2005/8/layout/default"/>
+    <dgm:cxn modelId="{8802CA2C-3460-488E-BF09-713CEE5F09B8}" type="presParOf" srcId="{A2480343-D114-4088-B0EA-D7225FA038B7}" destId="{5AC46D07-1E3D-40D2-A23E-ED73599D5157}" srcOrd="3" destOrd="0" presId="urn:microsoft.com/office/officeart/2005/8/layout/default"/>
+    <dgm:cxn modelId="{5DBAA72F-0794-4586-BAD0-9C4B92F2A4FC}" type="presParOf" srcId="{A2480343-D114-4088-B0EA-D7225FA038B7}" destId="{D02DBA44-DFBE-460D-8EC2-15044911DD5F}" srcOrd="4" destOrd="0" presId="urn:microsoft.com/office/officeart/2005/8/layout/default"/>
+    <dgm:cxn modelId="{7A29B2D0-18B1-4933-813E-589AE8E83849}" type="presOf" srcId="{A45B5A3F-BC60-4DC9-ADBC-E6EC3940CF2E}" destId="{D02DBA44-DFBE-460D-8EC2-15044911DD5F}" srcOrd="0" destOrd="0" presId="urn:microsoft.com/office/officeart/2005/8/layout/default"/>
+    <dgm:cxn modelId="{E60670EA-8F09-40F3-9E2F-5B1AD358638A}" type="presParOf" srcId="{A2480343-D114-4088-B0EA-D7225FA038B7}" destId="{F62096A2-28F7-4459-8B2E-7DF1413EBB7C}" srcOrd="5" destOrd="0" presId="urn:microsoft.com/office/officeart/2005/8/layout/default"/>
+    <dgm:cxn modelId="{730C26CB-6AAC-41CD-AFAB-A5C1FE045C87}" type="presParOf" srcId="{A2480343-D114-4088-B0EA-D7225FA038B7}" destId="{5430CB7B-C3B5-45ED-9E02-051EB70FD26A}" srcOrd="6" destOrd="0" presId="urn:microsoft.com/office/officeart/2005/8/layout/default"/>
+    <dgm:cxn modelId="{BFD8EAF3-A6A9-4825-AFEB-CB90E3884DD5}" type="presOf" srcId="{4147591B-333F-44D3-B914-CC481B3F8D70}" destId="{5430CB7B-C3B5-45ED-9E02-051EB70FD26A}" srcOrd="0" destOrd="0" presId="urn:microsoft.com/office/officeart/2005/8/layout/default"/>
+    <dgm:cxn modelId="{BCAA4317-A307-4EF0-A847-DB628F128EBA}" type="presParOf" srcId="{A2480343-D114-4088-B0EA-D7225FA038B7}" destId="{32F5AE09-5B1A-49AC-9480-E452BDBA6AD4}" srcOrd="7" destOrd="0" presId="urn:microsoft.com/office/officeart/2005/8/layout/default"/>
+    <dgm:cxn modelId="{78D4D2AE-54CA-439C-AAA0-F5A09DBC07BB}" type="presParOf" srcId="{A2480343-D114-4088-B0EA-D7225FA038B7}" destId="{BDCB7BFB-E2A3-4CCD-AB09-5CA5E01A6A3F}" srcOrd="8" destOrd="0" presId="urn:microsoft.com/office/officeart/2005/8/layout/default"/>
+    <dgm:cxn modelId="{12788FEA-7C2A-4E4A-8B87-1CF6233D2381}" type="presOf" srcId="{53BC487E-9799-4CFB-9730-8BE7B982A666}" destId="{BDCB7BFB-E2A3-4CCD-AB09-5CA5E01A6A3F}" srcOrd="0" destOrd="0" presId="urn:microsoft.com/office/officeart/2005/8/layout/default"/>
   </dgm:cxnLst>
-  <dgm:bg/>
-  <dgm:whole>
-    <a:ln/>
-  </dgm:whole>
+  <dgm:bg>
+    <a:effectLst/>
+  </dgm:bg>
+  <dgm:whole/>
 </dgm:dataModel>
 </file>
 
@@ -2549,6 +2592,7 @@
           <a:off x="0" y="0"/>
           <a:ext cx="0" cy="0"/>
         </a:xfrm>
+        <a:effectLst/>
       </p:grpSpPr>
       <p:sp>
         <p:nvSpPr>
@@ -2565,16 +2609,21 @@
             <a:off x="685800" y="2130425"/>
             <a:ext cx="7772400" cy="1470025"/>
           </a:xfrm>
+          <a:effectLst/>
         </p:spPr>
         <p:txBody>
           <a:bodyPr/>
           <a:lstStyle/>
           <a:p>
             <a:r>
-              <a:rPr lang="en-US" smtClean="0"/>
+              <a:rPr lang="en-US" smtClean="0">
+                <a:effectLst/>
+              </a:rPr>
               <a:t>Click to edit Master title style</a:t>
             </a:r>
-            <a:endParaRPr lang="en-US"/>
+            <a:endParaRPr lang="en-US">
+              <a:effectLst/>
+            </a:endParaRPr>
           </a:p>
         </p:txBody>
       </p:sp>
@@ -2593,6 +2642,7 @@
             <a:off x="1371600" y="3886200"/>
             <a:ext cx="6400800" cy="1752600"/>
           </a:xfrm>
+          <a:effectLst/>
         </p:spPr>
         <p:txBody>
           <a:bodyPr/>
@@ -2605,6 +2655,7 @@
                     <a:tint val="75000"/>
                   </a:schemeClr>
                 </a:solidFill>
+                <a:effectLst/>
               </a:defRPr>
             </a:lvl1pPr>
             <a:lvl2pPr marL="457200" indent="0" algn="ctr">
@@ -2615,6 +2666,7 @@
                     <a:tint val="75000"/>
                   </a:schemeClr>
                 </a:solidFill>
+                <a:effectLst/>
               </a:defRPr>
             </a:lvl2pPr>
             <a:lvl3pPr marL="914400" indent="0" algn="ctr">
@@ -2625,6 +2677,7 @@
                     <a:tint val="75000"/>
                   </a:schemeClr>
                 </a:solidFill>
+                <a:effectLst/>
               </a:defRPr>
             </a:lvl3pPr>
             <a:lvl4pPr marL="1371600" indent="0" algn="ctr">
@@ -2635,6 +2688,7 @@
                     <a:tint val="75000"/>
                   </a:schemeClr>
                 </a:solidFill>
+                <a:effectLst/>
               </a:defRPr>
             </a:lvl4pPr>
             <a:lvl5pPr marL="1828800" indent="0" algn="ctr">
@@ -2645,6 +2699,7 @@
                     <a:tint val="75000"/>
                   </a:schemeClr>
                 </a:solidFill>
+                <a:effectLst/>
               </a:defRPr>
             </a:lvl5pPr>
             <a:lvl6pPr marL="2286000" indent="0" algn="ctr">
@@ -2655,6 +2710,7 @@
                     <a:tint val="75000"/>
                   </a:schemeClr>
                 </a:solidFill>
+                <a:effectLst/>
               </a:defRPr>
             </a:lvl6pPr>
             <a:lvl7pPr marL="2743200" indent="0" algn="ctr">
@@ -2665,6 +2721,7 @@
                     <a:tint val="75000"/>
                   </a:schemeClr>
                 </a:solidFill>
+                <a:effectLst/>
               </a:defRPr>
             </a:lvl7pPr>
             <a:lvl8pPr marL="3200400" indent="0" algn="ctr">
@@ -2675,6 +2732,7 @@
                     <a:tint val="75000"/>
                   </a:schemeClr>
                 </a:solidFill>
+                <a:effectLst/>
               </a:defRPr>
             </a:lvl8pPr>
             <a:lvl9pPr marL="3657600" indent="0" algn="ctr">
@@ -2685,15 +2743,20 @@
                     <a:tint val="75000"/>
                   </a:schemeClr>
                 </a:solidFill>
+                <a:effectLst/>
               </a:defRPr>
             </a:lvl9pPr>
           </a:lstStyle>
           <a:p>
             <a:r>
-              <a:rPr lang="en-US" smtClean="0"/>
+              <a:rPr lang="en-US" smtClean="0">
+                <a:effectLst/>
+              </a:rPr>
               <a:t>Click to edit Master subtitle style</a:t>
             </a:r>
-            <a:endParaRPr lang="en-US"/>
+            <a:endParaRPr lang="en-US">
+              <a:effectLst/>
+            </a:endParaRPr>
           </a:p>
         </p:txBody>
       </p:sp>
@@ -2707,16 +2770,22 @@
             <p:ph type="dt" sz="half" idx="10"/>
           </p:nvPr>
         </p:nvSpPr>
-        <p:spPr/>
+        <p:spPr>
+          <a:effectLst/>
+        </p:spPr>
         <p:txBody>
           <a:bodyPr/>
           <a:lstStyle/>
           <a:p>
             <a:fld id="{E8FD0B7A-F5DD-4F40-B4CB-3B2C354B893A}" type="datetimeFigureOut">
-              <a:rPr lang="en-US" smtClean="0"/>
+              <a:rPr lang="en-US" smtClean="0">
+                <a:effectLst/>
+              </a:rPr>
               <a:t>Date</a:t>
             </a:fld>
-            <a:endParaRPr lang="en-US"/>
+            <a:endParaRPr lang="en-US">
+              <a:effectLst/>
+            </a:endParaRPr>
           </a:p>
         </p:txBody>
       </p:sp>
@@ -2730,12 +2799,16 @@
             <p:ph type="ftr" sz="quarter" idx="11"/>
           </p:nvPr>
         </p:nvSpPr>
-        <p:spPr/>
+        <p:spPr>
+          <a:effectLst/>
+        </p:spPr>
         <p:txBody>
           <a:bodyPr/>
           <a:lstStyle/>
           <a:p>
-            <a:endParaRPr lang="en-US"/>
+            <a:endParaRPr lang="en-US">
+              <a:effectLst/>
+            </a:endParaRPr>
           </a:p>
         </p:txBody>
       </p:sp>
@@ -2749,16 +2822,22 @@
             <p:ph type="sldNum" sz="quarter" idx="12"/>
           </p:nvPr>
         </p:nvSpPr>
-        <p:spPr/>
+        <p:spPr>
+          <a:effectLst/>
+        </p:spPr>
         <p:txBody>
           <a:bodyPr/>
           <a:lstStyle/>
           <a:p>
             <a:fld id="{93AE1883-0942-4AA3-9DB2-9C7C3A0314B1}" type="slidenum">
-              <a:rPr lang="en-US" smtClean="0"/>
+              <a:rPr lang="en-US" smtClean="0">
+                <a:effectLst/>
+              </a:rPr>
               <a:t>‹#›</a:t>
             </a:fld>
-            <a:endParaRPr lang="en-US"/>
+            <a:endParaRPr lang="en-US">
+              <a:effectLst/>
+            </a:endParaRPr>
           </a:p>
         </p:txBody>
       </p:sp>
@@ -2786,6 +2865,7 @@
           <a:off x="0" y="0"/>
           <a:ext cx="0" cy="0"/>
         </a:xfrm>
+        <a:effectLst/>
       </p:grpSpPr>
       <p:sp>
         <p:nvSpPr>
@@ -2797,16 +2877,22 @@
             <p:ph type="title"/>
           </p:nvPr>
         </p:nvSpPr>
-        <p:spPr/>
+        <p:spPr>
+          <a:effectLst/>
+        </p:spPr>
         <p:txBody>
           <a:bodyPr/>
           <a:lstStyle/>
           <a:p>
             <a:r>
-              <a:rPr lang="en-US" smtClean="0"/>
+              <a:rPr lang="en-US" smtClean="0">
+                <a:effectLst/>
+              </a:rPr>
               <a:t>Click to edit Master title style</a:t>
             </a:r>
-            <a:endParaRPr lang="en-US"/>
+            <a:endParaRPr lang="en-US">
+              <a:effectLst/>
+            </a:endParaRPr>
           </a:p>
         </p:txBody>
       </p:sp>
@@ -2820,45 +2906,59 @@
             <p:ph type="body" orient="vert" idx="1"/>
           </p:nvPr>
         </p:nvSpPr>
-        <p:spPr/>
+        <p:spPr>
+          <a:effectLst/>
+        </p:spPr>
         <p:txBody>
           <a:bodyPr vert="eaVert"/>
           <a:lstStyle/>
           <a:p>
             <a:pPr lvl="0"/>
             <a:r>
-              <a:rPr lang="en-US" smtClean="0"/>
+              <a:rPr lang="en-US" smtClean="0">
+                <a:effectLst/>
+              </a:rPr>
               <a:t>Click to edit Master text styles</a:t>
             </a:r>
           </a:p>
           <a:p>
             <a:pPr lvl="1"/>
             <a:r>
-              <a:rPr lang="en-US" smtClean="0"/>
+              <a:rPr lang="en-US" smtClean="0">
+                <a:effectLst/>
+              </a:rPr>
               <a:t>Second level</a:t>
             </a:r>
           </a:p>
           <a:p>
             <a:pPr lvl="2"/>
             <a:r>
-              <a:rPr lang="en-US" smtClean="0"/>
+              <a:rPr lang="en-US" smtClean="0">
+                <a:effectLst/>
+              </a:rPr>
               <a:t>Third level</a:t>
             </a:r>
           </a:p>
           <a:p>
             <a:pPr lvl="3"/>
             <a:r>
-              <a:rPr lang="en-US" smtClean="0"/>
+              <a:rPr lang="en-US" smtClean="0">
+                <a:effectLst/>
+              </a:rPr>
               <a:t>Fourth level</a:t>
             </a:r>
           </a:p>
           <a:p>
             <a:pPr lvl="4"/>
             <a:r>
-              <a:rPr lang="en-US" smtClean="0"/>
+              <a:rPr lang="en-US" smtClean="0">
+                <a:effectLst/>
+              </a:rPr>
               <a:t>Fifth level</a:t>
             </a:r>
-            <a:endParaRPr lang="en-US"/>
+            <a:endParaRPr lang="en-US">
+              <a:effectLst/>
+            </a:endParaRPr>
           </a:p>
         </p:txBody>
       </p:sp>
@@ -2872,16 +2972,22 @@
             <p:ph type="dt" sz="half" idx="10"/>
           </p:nvPr>
         </p:nvSpPr>
-        <p:spPr/>
+        <p:spPr>
+          <a:effectLst/>
+        </p:spPr>
         <p:txBody>
           <a:bodyPr/>
           <a:lstStyle/>
           <a:p>
             <a:fld id="{E8FD0B7A-F5DD-4F40-B4CB-3B2C354B893A}" type="datetimeFigureOut">
-              <a:rPr lang="en-US" smtClean="0"/>
+              <a:rPr lang="en-US" smtClean="0">
+                <a:effectLst/>
+              </a:rPr>
               <a:t>Date</a:t>
             </a:fld>
-            <a:endParaRPr lang="en-US"/>
+            <a:endParaRPr lang="en-US">
+              <a:effectLst/>
+            </a:endParaRPr>
           </a:p>
         </p:txBody>
       </p:sp>
@@ -2895,12 +3001,16 @@
             <p:ph type="ftr" sz="quarter" idx="11"/>
           </p:nvPr>
         </p:nvSpPr>
-        <p:spPr/>
+        <p:spPr>
+          <a:effectLst/>
+        </p:spPr>
         <p:txBody>
           <a:bodyPr/>
           <a:lstStyle/>
           <a:p>
-            <a:endParaRPr lang="en-US"/>
+            <a:endParaRPr lang="en-US">
+              <a:effectLst/>
+            </a:endParaRPr>
           </a:p>
         </p:txBody>
       </p:sp>
@@ -2914,16 +3024,22 @@
             <p:ph type="sldNum" sz="quarter" idx="12"/>
           </p:nvPr>
         </p:nvSpPr>
-        <p:spPr/>
+        <p:spPr>
+          <a:effectLst/>
+        </p:spPr>
         <p:txBody>
           <a:bodyPr/>
           <a:lstStyle/>
           <a:p>
             <a:fld id="{93AE1883-0942-4AA3-9DB2-9C7C3A0314B1}" type="slidenum">
-              <a:rPr lang="en-US" smtClean="0"/>
+              <a:rPr lang="en-US" smtClean="0">
+                <a:effectLst/>
+              </a:rPr>
               <a:t>‹#›</a:t>
             </a:fld>
-            <a:endParaRPr lang="en-US"/>
+            <a:endParaRPr lang="en-US">
+              <a:effectLst/>
+            </a:endParaRPr>
           </a:p>
         </p:txBody>
       </p:sp>
@@ -2951,6 +3067,7 @@
           <a:off x="0" y="0"/>
           <a:ext cx="0" cy="0"/>
         </a:xfrm>
+        <a:effectLst/>
       </p:grpSpPr>
       <p:sp>
         <p:nvSpPr>
@@ -2967,16 +3084,21 @@
             <a:off x="6629400" y="274638"/>
             <a:ext cx="2057400" cy="5851525"/>
           </a:xfrm>
+          <a:effectLst/>
         </p:spPr>
         <p:txBody>
           <a:bodyPr vert="eaVert"/>
           <a:lstStyle/>
           <a:p>
             <a:r>
-              <a:rPr lang="en-US" smtClean="0"/>
+              <a:rPr lang="en-US" smtClean="0">
+                <a:effectLst/>
+              </a:rPr>
               <a:t>Click to edit Master title style</a:t>
             </a:r>
-            <a:endParaRPr lang="en-US"/>
+            <a:endParaRPr lang="en-US">
+              <a:effectLst/>
+            </a:endParaRPr>
           </a:p>
         </p:txBody>
       </p:sp>
@@ -2995,6 +3117,7 @@
             <a:off x="457200" y="274638"/>
             <a:ext cx="6019800" cy="5851525"/>
           </a:xfrm>
+          <a:effectLst/>
         </p:spPr>
         <p:txBody>
           <a:bodyPr vert="eaVert"/>
@@ -3002,38 +3125,50 @@
           <a:p>
             <a:pPr lvl="0"/>
             <a:r>
-              <a:rPr lang="en-US" smtClean="0"/>
+              <a:rPr lang="en-US" smtClean="0">
+                <a:effectLst/>
+              </a:rPr>
               <a:t>Click to edit Master text styles</a:t>
             </a:r>
           </a:p>
           <a:p>
             <a:pPr lvl="1"/>
             <a:r>
-              <a:rPr lang="en-US" smtClean="0"/>
+              <a:rPr lang="en-US" smtClean="0">
+                <a:effectLst/>
+              </a:rPr>
               <a:t>Second level</a:t>
             </a:r>
           </a:p>
           <a:p>
             <a:pPr lvl="2"/>
             <a:r>
-              <a:rPr lang="en-US" smtClean="0"/>
+              <a:rPr lang="en-US" smtClean="0">
+                <a:effectLst/>
+              </a:rPr>
               <a:t>Third level</a:t>
             </a:r>
           </a:p>
           <a:p>
             <a:pPr lvl="3"/>
             <a:r>
-              <a:rPr lang="en-US" smtClean="0"/>
+              <a:rPr lang="en-US" smtClean="0">
+                <a:effectLst/>
+              </a:rPr>
               <a:t>Fourth level</a:t>
             </a:r>
           </a:p>
           <a:p>
             <a:pPr lvl="4"/>
             <a:r>
-              <a:rPr lang="en-US" smtClean="0"/>
+              <a:rPr lang="en-US" smtClean="0">
+                <a:effectLst/>
+              </a:rPr>
               <a:t>Fifth level</a:t>
             </a:r>
-            <a:endParaRPr lang="en-US"/>
+            <a:endParaRPr lang="en-US">
+              <a:effectLst/>
+            </a:endParaRPr>
           </a:p>
         </p:txBody>
       </p:sp>
@@ -3047,16 +3182,22 @@
             <p:ph type="dt" sz="half" idx="10"/>
           </p:nvPr>
         </p:nvSpPr>
-        <p:spPr/>
+        <p:spPr>
+          <a:effectLst/>
+        </p:spPr>
         <p:txBody>
           <a:bodyPr/>
           <a:lstStyle/>
           <a:p>
             <a:fld id="{E8FD0B7A-F5DD-4F40-B4CB-3B2C354B893A}" type="datetimeFigureOut">
-              <a:rPr lang="en-US" smtClean="0"/>
+              <a:rPr lang="en-US" smtClean="0">
+                <a:effectLst/>
+              </a:rPr>
               <a:t>Date</a:t>
             </a:fld>
-            <a:endParaRPr lang="en-US"/>
+            <a:endParaRPr lang="en-US">
+              <a:effectLst/>
+            </a:endParaRPr>
           </a:p>
         </p:txBody>
       </p:sp>
@@ -3070,12 +3211,16 @@
             <p:ph type="ftr" sz="quarter" idx="11"/>
           </p:nvPr>
         </p:nvSpPr>
-        <p:spPr/>
+        <p:spPr>
+          <a:effectLst/>
+        </p:spPr>
         <p:txBody>
           <a:bodyPr/>
           <a:lstStyle/>
           <a:p>
-            <a:endParaRPr lang="en-US"/>
+            <a:endParaRPr lang="en-US">
+              <a:effectLst/>
+            </a:endParaRPr>
           </a:p>
         </p:txBody>
       </p:sp>
@@ -3089,16 +3234,22 @@
             <p:ph type="sldNum" sz="quarter" idx="12"/>
           </p:nvPr>
         </p:nvSpPr>
-        <p:spPr/>
+        <p:spPr>
+          <a:effectLst/>
+        </p:spPr>
         <p:txBody>
           <a:bodyPr/>
           <a:lstStyle/>
           <a:p>
             <a:fld id="{93AE1883-0942-4AA3-9DB2-9C7C3A0314B1}" type="slidenum">
-              <a:rPr lang="en-US" smtClean="0"/>
+              <a:rPr lang="en-US" smtClean="0">
+                <a:effectLst/>
+              </a:rPr>
               <a:t>‹#›</a:t>
             </a:fld>
-            <a:endParaRPr lang="en-US"/>
+            <a:endParaRPr lang="en-US">
+              <a:effectLst/>
+            </a:endParaRPr>
           </a:p>
         </p:txBody>
       </p:sp>
@@ -3126,6 +3277,7 @@
           <a:off x="0" y="0"/>
           <a:ext cx="0" cy="0"/>
         </a:xfrm>
+        <a:effectLst/>
       </p:grpSpPr>
       <p:sp>
         <p:nvSpPr>
@@ -3137,16 +3289,22 @@
             <p:ph type="title"/>
           </p:nvPr>
         </p:nvSpPr>
-        <p:spPr/>
+        <p:spPr>
+          <a:effectLst/>
+        </p:spPr>
         <p:txBody>
           <a:bodyPr/>
           <a:lstStyle/>
           <a:p>
             <a:r>
-              <a:rPr lang="en-US" smtClean="0"/>
+              <a:rPr lang="en-US" smtClean="0">
+                <a:effectLst/>
+              </a:rPr>
               <a:t>Click to edit Master title style</a:t>
             </a:r>
-            <a:endParaRPr lang="en-US"/>
+            <a:endParaRPr lang="en-US">
+              <a:effectLst/>
+            </a:endParaRPr>
           </a:p>
         </p:txBody>
       </p:sp>
@@ -3160,45 +3318,59 @@
             <p:ph idx="1"/>
           </p:nvPr>
         </p:nvSpPr>
-        <p:spPr/>
+        <p:spPr>
+          <a:effectLst/>
+        </p:spPr>
         <p:txBody>
           <a:bodyPr/>
           <a:lstStyle/>
           <a:p>
             <a:pPr lvl="0"/>
             <a:r>
-              <a:rPr lang="en-US" smtClean="0"/>
+              <a:rPr lang="en-US" smtClean="0">
+                <a:effectLst/>
+              </a:rPr>
               <a:t>Click to edit Master text styles</a:t>
             </a:r>
           </a:p>
           <a:p>
             <a:pPr lvl="1"/>
             <a:r>
-              <a:rPr lang="en-US" smtClean="0"/>
+              <a:rPr lang="en-US" smtClean="0">
+                <a:effectLst/>
+              </a:rPr>
               <a:t>Second level</a:t>
             </a:r>
           </a:p>
           <a:p>
             <a:pPr lvl="2"/>
             <a:r>
-              <a:rPr lang="en-US" smtClean="0"/>
+              <a:rPr lang="en-US" smtClean="0">
+                <a:effectLst/>
+              </a:rPr>
               <a:t>Third level</a:t>
             </a:r>
           </a:p>
           <a:p>
             <a:pPr lvl="3"/>
             <a:r>
-              <a:rPr lang="en-US" smtClean="0"/>
+              <a:rPr lang="en-US" smtClean="0">
+                <a:effectLst/>
+              </a:rPr>
               <a:t>Fourth level</a:t>
             </a:r>
           </a:p>
           <a:p>
             <a:pPr lvl="4"/>
             <a:r>
-              <a:rPr lang="en-US" smtClean="0"/>
+              <a:rPr lang="en-US" smtClean="0">
+                <a:effectLst/>
+              </a:rPr>
               <a:t>Fifth level</a:t>
             </a:r>
-            <a:endParaRPr lang="en-US"/>
+            <a:endParaRPr lang="en-US">
+              <a:effectLst/>
+            </a:endParaRPr>
           </a:p>
         </p:txBody>
       </p:sp>
@@ -3212,16 +3384,22 @@
             <p:ph type="dt" sz="half" idx="10"/>
           </p:nvPr>
         </p:nvSpPr>
-        <p:spPr/>
+        <p:spPr>
+          <a:effectLst/>
+        </p:spPr>
         <p:txBody>
           <a:bodyPr/>
           <a:lstStyle/>
           <a:p>
             <a:fld id="{E8FD0B7A-F5DD-4F40-B4CB-3B2C354B893A}" type="datetimeFigureOut">
-              <a:rPr lang="en-US" smtClean="0"/>
+              <a:rPr lang="en-US" smtClean="0">
+                <a:effectLst/>
+              </a:rPr>
               <a:t>Date</a:t>
             </a:fld>
-            <a:endParaRPr lang="en-US"/>
+            <a:endParaRPr lang="en-US">
+              <a:effectLst/>
+            </a:endParaRPr>
           </a:p>
         </p:txBody>
       </p:sp>
@@ -3235,12 +3413,16 @@
             <p:ph type="ftr" sz="quarter" idx="11"/>
           </p:nvPr>
         </p:nvSpPr>
-        <p:spPr/>
+        <p:spPr>
+          <a:effectLst/>
+        </p:spPr>
         <p:txBody>
           <a:bodyPr/>
           <a:lstStyle/>
           <a:p>
-            <a:endParaRPr lang="en-US"/>
+            <a:endParaRPr lang="en-US">
+              <a:effectLst/>
+            </a:endParaRPr>
           </a:p>
         </p:txBody>
       </p:sp>
@@ -3254,16 +3436,22 @@
             <p:ph type="sldNum" sz="quarter" idx="12"/>
           </p:nvPr>
         </p:nvSpPr>
-        <p:spPr/>
+        <p:spPr>
+          <a:effectLst/>
+        </p:spPr>
         <p:txBody>
           <a:bodyPr/>
           <a:lstStyle/>
           <a:p>
             <a:fld id="{93AE1883-0942-4AA3-9DB2-9C7C3A0314B1}" type="slidenum">
-              <a:rPr lang="en-US" smtClean="0"/>
+              <a:rPr lang="en-US" smtClean="0">
+                <a:effectLst/>
+              </a:rPr>
               <a:t>‹#›</a:t>
             </a:fld>
-            <a:endParaRPr lang="en-US"/>
+            <a:endParaRPr lang="en-US">
+              <a:effectLst/>
+            </a:endParaRPr>
           </a:p>
         </p:txBody>
       </p:sp>
@@ -3291,6 +3479,7 @@
           <a:off x="0" y="0"/>
           <a:ext cx="0" cy="0"/>
         </a:xfrm>
+        <a:effectLst/>
       </p:grpSpPr>
       <p:sp>
         <p:nvSpPr>
@@ -3307,20 +3496,27 @@
             <a:off x="722313" y="4406900"/>
             <a:ext cx="7772400" cy="1362075"/>
           </a:xfrm>
+          <a:effectLst/>
         </p:spPr>
         <p:txBody>
           <a:bodyPr anchor="t"/>
           <a:lstStyle>
             <a:lvl1pPr algn="l">
-              <a:defRPr sz="4000" b="1" cap="all"/>
+              <a:defRPr sz="4000" b="1" cap="all">
+                <a:effectLst/>
+              </a:defRPr>
             </a:lvl1pPr>
           </a:lstStyle>
           <a:p>
             <a:r>
-              <a:rPr lang="en-US" smtClean="0"/>
+              <a:rPr lang="en-US" smtClean="0">
+                <a:effectLst/>
+              </a:rPr>
               <a:t>Click to edit Master title style</a:t>
             </a:r>
-            <a:endParaRPr lang="en-US"/>
+            <a:endParaRPr lang="en-US">
+              <a:effectLst/>
+            </a:endParaRPr>
           </a:p>
         </p:txBody>
       </p:sp>
@@ -3339,6 +3535,7 @@
             <a:off x="722313" y="2906713"/>
             <a:ext cx="7772400" cy="1500187"/>
           </a:xfrm>
+          <a:effectLst/>
         </p:spPr>
         <p:txBody>
           <a:bodyPr anchor="b"/>
@@ -3351,6 +3548,7 @@
                     <a:tint val="75000"/>
                   </a:schemeClr>
                 </a:solidFill>
+                <a:effectLst/>
               </a:defRPr>
             </a:lvl1pPr>
             <a:lvl2pPr marL="457200" indent="0">
@@ -3361,6 +3559,7 @@
                     <a:tint val="75000"/>
                   </a:schemeClr>
                 </a:solidFill>
+                <a:effectLst/>
               </a:defRPr>
             </a:lvl2pPr>
             <a:lvl3pPr marL="914400" indent="0">
@@ -3371,6 +3570,7 @@
                     <a:tint val="75000"/>
                   </a:schemeClr>
                 </a:solidFill>
+                <a:effectLst/>
               </a:defRPr>
             </a:lvl3pPr>
             <a:lvl4pPr marL="1371600" indent="0">
@@ -3381,6 +3581,7 @@
                     <a:tint val="75000"/>
                   </a:schemeClr>
                 </a:solidFill>
+                <a:effectLst/>
               </a:defRPr>
             </a:lvl4pPr>
             <a:lvl5pPr marL="1828800" indent="0">
@@ -3391,6 +3592,7 @@
                     <a:tint val="75000"/>
                   </a:schemeClr>
                 </a:solidFill>
+                <a:effectLst/>
               </a:defRPr>
             </a:lvl5pPr>
             <a:lvl6pPr marL="2286000" indent="0">
@@ -3401,6 +3603,7 @@
                     <a:tint val="75000"/>
                   </a:schemeClr>
                 </a:solidFill>
+                <a:effectLst/>
               </a:defRPr>
             </a:lvl6pPr>
             <a:lvl7pPr marL="2743200" indent="0">
@@ -3411,6 +3614,7 @@
                     <a:tint val="75000"/>
                   </a:schemeClr>
                 </a:solidFill>
+                <a:effectLst/>
               </a:defRPr>
             </a:lvl7pPr>
             <a:lvl8pPr marL="3200400" indent="0">
@@ -3421,6 +3625,7 @@
                     <a:tint val="75000"/>
                   </a:schemeClr>
                 </a:solidFill>
+                <a:effectLst/>
               </a:defRPr>
             </a:lvl8pPr>
             <a:lvl9pPr marL="3657600" indent="0">
@@ -3431,13 +3636,16 @@
                     <a:tint val="75000"/>
                   </a:schemeClr>
                 </a:solidFill>
+                <a:effectLst/>
               </a:defRPr>
             </a:lvl9pPr>
           </a:lstStyle>
           <a:p>
             <a:pPr lvl="0"/>
             <a:r>
-              <a:rPr lang="en-US" smtClean="0"/>
+              <a:rPr lang="en-US" smtClean="0">
+                <a:effectLst/>
+              </a:rPr>
               <a:t>Click to edit Master text styles</a:t>
             </a:r>
           </a:p>
@@ -3453,16 +3661,22 @@
             <p:ph type="dt" sz="half" idx="10"/>
           </p:nvPr>
         </p:nvSpPr>
-        <p:spPr/>
+        <p:spPr>
+          <a:effectLst/>
+        </p:spPr>
         <p:txBody>
           <a:bodyPr/>
           <a:lstStyle/>
           <a:p>
             <a:fld id="{E8FD0B7A-F5DD-4F40-B4CB-3B2C354B893A}" type="datetimeFigureOut">
-              <a:rPr lang="en-US" smtClean="0"/>
+              <a:rPr lang="en-US" smtClean="0">
+                <a:effectLst/>
+              </a:rPr>
               <a:t>Date</a:t>
             </a:fld>
-            <a:endParaRPr lang="en-US"/>
+            <a:endParaRPr lang="en-US">
+              <a:effectLst/>
+            </a:endParaRPr>
           </a:p>
         </p:txBody>
       </p:sp>
@@ -3476,12 +3690,16 @@
             <p:ph type="ftr" sz="quarter" idx="11"/>
           </p:nvPr>
         </p:nvSpPr>
-        <p:spPr/>
+        <p:spPr>
+          <a:effectLst/>
+        </p:spPr>
         <p:txBody>
           <a:bodyPr/>
           <a:lstStyle/>
           <a:p>
-            <a:endParaRPr lang="en-US"/>
+            <a:endParaRPr lang="en-US">
+              <a:effectLst/>
+            </a:endParaRPr>
           </a:p>
         </p:txBody>
       </p:sp>
@@ -3495,16 +3713,22 @@
             <p:ph type="sldNum" sz="quarter" idx="12"/>
           </p:nvPr>
         </p:nvSpPr>
-        <p:spPr/>
+        <p:spPr>
+          <a:effectLst/>
+        </p:spPr>
         <p:txBody>
           <a:bodyPr/>
           <a:lstStyle/>
           <a:p>
             <a:fld id="{93AE1883-0942-4AA3-9DB2-9C7C3A0314B1}" type="slidenum">
-              <a:rPr lang="en-US" smtClean="0"/>
+              <a:rPr lang="en-US" smtClean="0">
+                <a:effectLst/>
+              </a:rPr>
               <a:t>‹#›</a:t>
             </a:fld>
-            <a:endParaRPr lang="en-US"/>
+            <a:endParaRPr lang="en-US">
+              <a:effectLst/>
+            </a:endParaRPr>
           </a:p>
         </p:txBody>
       </p:sp>
@@ -3532,6 +3756,7 @@
           <a:off x="0" y="0"/>
           <a:ext cx="0" cy="0"/>
         </a:xfrm>
+        <a:effectLst/>
       </p:grpSpPr>
       <p:sp>
         <p:nvSpPr>
@@ -3543,16 +3768,22 @@
             <p:ph type="title"/>
           </p:nvPr>
         </p:nvSpPr>
-        <p:spPr/>
+        <p:spPr>
+          <a:effectLst/>
+        </p:spPr>
         <p:txBody>
           <a:bodyPr/>
           <a:lstStyle/>
           <a:p>
             <a:r>
-              <a:rPr lang="en-US" smtClean="0"/>
+              <a:rPr lang="en-US" smtClean="0">
+                <a:effectLst/>
+              </a:rPr>
               <a:t>Click to edit Master title style</a:t>
             </a:r>
-            <a:endParaRPr lang="en-US"/>
+            <a:endParaRPr lang="en-US">
+              <a:effectLst/>
+            </a:endParaRPr>
           </a:p>
         </p:txBody>
       </p:sp>
@@ -3571,73 +3802,104 @@
             <a:off x="457200" y="1600200"/>
             <a:ext cx="4038600" cy="4525963"/>
           </a:xfrm>
+          <a:effectLst/>
         </p:spPr>
         <p:txBody>
           <a:bodyPr/>
           <a:lstStyle>
             <a:lvl1pPr>
-              <a:defRPr sz="2800"/>
+              <a:defRPr sz="2800">
+                <a:effectLst/>
+              </a:defRPr>
             </a:lvl1pPr>
             <a:lvl2pPr>
-              <a:defRPr sz="2400"/>
+              <a:defRPr sz="2400">
+                <a:effectLst/>
+              </a:defRPr>
             </a:lvl2pPr>
             <a:lvl3pPr>
-              <a:defRPr sz="2000"/>
+              <a:defRPr sz="2000">
+                <a:effectLst/>
+              </a:defRPr>
             </a:lvl3pPr>
             <a:lvl4pPr>
-              <a:defRPr sz="1800"/>
+              <a:defRPr sz="1800">
+                <a:effectLst/>
+              </a:defRPr>
             </a:lvl4pPr>
             <a:lvl5pPr>
-              <a:defRPr sz="1800"/>
+              <a:defRPr sz="1800">
+                <a:effectLst/>
+              </a:defRPr>
             </a:lvl5pPr>
             <a:lvl6pPr>
-              <a:defRPr sz="1800"/>
+              <a:defRPr sz="1800">
+                <a:effectLst/>
+              </a:defRPr>
             </a:lvl6pPr>
             <a:lvl7pPr>
-              <a:defRPr sz="1800"/>
+              <a:defRPr sz="1800">
+                <a:effectLst/>
+              </a:defRPr>
             </a:lvl7pPr>
             <a:lvl8pPr>
-              <a:defRPr sz="1800"/>
+              <a:defRPr sz="1800">
+                <a:effectLst/>
+              </a:defRPr>
             </a:lvl8pPr>
             <a:lvl9pPr>
-              <a:defRPr sz="1800"/>
+              <a:defRPr sz="1800">
+                <a:effectLst/>
+              </a:defRPr>
             </a:lvl9pPr>
           </a:lstStyle>
           <a:p>
             <a:pPr lvl="0"/>
             <a:r>
-              <a:rPr lang="en-US" smtClean="0"/>
+              <a:rPr lang="en-US" smtClean="0">
+                <a:effectLst/>
+              </a:rPr>
               <a:t>Click to edit Master text styles</a:t>
             </a:r>
           </a:p>
           <a:p>
             <a:pPr lvl="1"/>
             <a:r>
-              <a:rPr lang="en-US" smtClean="0"/>
+              <a:rPr lang="en-US" smtClean="0">
+                <a:effectLst/>
+              </a:rPr>
               <a:t>Second level</a:t>
             </a:r>
           </a:p>
           <a:p>
             <a:pPr lvl="2"/>
             <a:r>
-              <a:rPr lang="en-US" smtClean="0"/>
+              <a:rPr lang="en-US" smtClean="0">
+                <a:effectLst/>
+              </a:rPr>
               <a:t>Third level</a:t>
             </a:r>
           </a:p>
           <a:p>
             <a:pPr lvl="3"/>
             <a:r>
-              <a:rPr lang="en-US" smtClean="0"/>
+              <a:rPr lang="en-US" smtClean="0">
+                <a:effectLst/>
+              </a:rPr>
               <a:t>Fourth level</a:t>
             </a:r>
           </a:p>
           <a:p>
             <a:pPr lvl="4"/>
             <a:r>
-              <a:rPr lang="en-US" smtClean="0"/>
+              <a:rPr lang="en-US" smtClean="0">
+                <a:effectLst/>
+              </a:rPr>
               <a:t>Fifth level</a:t>
             </a:r>
-            <a:endParaRPr lang="en-US"/>
+            <a:endParaRPr lang="en-US">
+              <a:effectLst/>
+            </a:endParaRPr>
           </a:p>
         </p:txBody>
       </p:sp>
@@ -3656,73 +3918,104 @@
             <a:off x="4648200" y="1600200"/>
             <a:ext cx="4038600" cy="4525963"/>
           </a:xfrm>
+          <a:effectLst/>
         </p:spPr>
         <p:txBody>
           <a:bodyPr/>
           <a:lstStyle>
             <a:lvl1pPr>
-              <a:defRPr sz="2800"/>
+              <a:defRPr sz="2800">
+                <a:effectLst/>
+              </a:defRPr>
             </a:lvl1pPr>
             <a:lvl2pPr>
-              <a:defRPr sz="2400"/>
+              <a:defRPr sz="2400">
+                <a:effectLst/>
+              </a:defRPr>
             </a:lvl2pPr>
             <a:lvl3pPr>
-              <a:defRPr sz="2000"/>
+              <a:defRPr sz="2000">
+                <a:effectLst/>
+              </a:defRPr>
             </a:lvl3pPr>
             <a:lvl4pPr>
-              <a:defRPr sz="1800"/>
+              <a:defRPr sz="1800">
+                <a:effectLst/>
+              </a:defRPr>
             </a:lvl4pPr>
             <a:lvl5pPr>
-              <a:defRPr sz="1800"/>
+              <a:defRPr sz="1800">
+                <a:effectLst/>
+              </a:defRPr>
             </a:lvl5pPr>
             <a:lvl6pPr>
-              <a:defRPr sz="1800"/>
+              <a:defRPr sz="1800">
+                <a:effectLst/>
+              </a:defRPr>
             </a:lvl6pPr>
             <a:lvl7pPr>
-              <a:defRPr sz="1800"/>
+              <a:defRPr sz="1800">
+                <a:effectLst/>
+              </a:defRPr>
             </a:lvl7pPr>
             <a:lvl8pPr>
-              <a:defRPr sz="1800"/>
+              <a:defRPr sz="1800">
+                <a:effectLst/>
+              </a:defRPr>
             </a:lvl8pPr>
             <a:lvl9pPr>
-              <a:defRPr sz="1800"/>
+              <a:defRPr sz="1800">
+                <a:effectLst/>
+              </a:defRPr>
             </a:lvl9pPr>
           </a:lstStyle>
           <a:p>
             <a:pPr lvl="0"/>
             <a:r>
-              <a:rPr lang="en-US" smtClean="0"/>
+              <a:rPr lang="en-US" smtClean="0">
+                <a:effectLst/>
+              </a:rPr>
               <a:t>Click to edit Master text styles</a:t>
             </a:r>
           </a:p>
           <a:p>
             <a:pPr lvl="1"/>
             <a:r>
-              <a:rPr lang="en-US" smtClean="0"/>
+              <a:rPr lang="en-US" smtClean="0">
+                <a:effectLst/>
+              </a:rPr>
               <a:t>Second level</a:t>
             </a:r>
           </a:p>
           <a:p>
             <a:pPr lvl="2"/>
             <a:r>
-              <a:rPr lang="en-US" smtClean="0"/>
+              <a:rPr lang="en-US" smtClean="0">
+                <a:effectLst/>
+              </a:rPr>
               <a:t>Third level</a:t>
             </a:r>
           </a:p>
           <a:p>
             <a:pPr lvl="3"/>
             <a:r>
-              <a:rPr lang="en-US" smtClean="0"/>
+              <a:rPr lang="en-US" smtClean="0">
+                <a:effectLst/>
+              </a:rPr>
               <a:t>Fourth level</a:t>
             </a:r>
           </a:p>
           <a:p>
             <a:pPr lvl="4"/>
             <a:r>
-              <a:rPr lang="en-US" smtClean="0"/>
+              <a:rPr lang="en-US" smtClean="0">
+                <a:effectLst/>
+              </a:rPr>
               <a:t>Fifth level</a:t>
             </a:r>
-            <a:endParaRPr lang="en-US"/>
+            <a:endParaRPr lang="en-US">
+              <a:effectLst/>
+            </a:endParaRPr>
           </a:p>
         </p:txBody>
       </p:sp>
@@ -3736,16 +4029,22 @@
             <p:ph type="dt" sz="half" idx="10"/>
           </p:nvPr>
         </p:nvSpPr>
-        <p:spPr/>
+        <p:spPr>
+          <a:effectLst/>
+        </p:spPr>
         <p:txBody>
           <a:bodyPr/>
           <a:lstStyle/>
           <a:p>
             <a:fld id="{E8FD0B7A-F5DD-4F40-B4CB-3B2C354B893A}" type="datetimeFigureOut">
-              <a:rPr lang="en-US" smtClean="0"/>
+              <a:rPr lang="en-US" smtClean="0">
+                <a:effectLst/>
+              </a:rPr>
               <a:t>Date</a:t>
             </a:fld>
-            <a:endParaRPr lang="en-US"/>
+            <a:endParaRPr lang="en-US">
+              <a:effectLst/>
+            </a:endParaRPr>
           </a:p>
         </p:txBody>
       </p:sp>
@@ -3759,12 +4058,16 @@
             <p:ph type="ftr" sz="quarter" idx="11"/>
           </p:nvPr>
         </p:nvSpPr>
-        <p:spPr/>
+        <p:spPr>
+          <a:effectLst/>
+        </p:spPr>
         <p:txBody>
           <a:bodyPr/>
           <a:lstStyle/>
           <a:p>
-            <a:endParaRPr lang="en-US"/>
+            <a:endParaRPr lang="en-US">
+              <a:effectLst/>
+            </a:endParaRPr>
           </a:p>
         </p:txBody>
       </p:sp>
@@ -3778,16 +4081,22 @@
             <p:ph type="sldNum" sz="quarter" idx="12"/>
           </p:nvPr>
         </p:nvSpPr>
-        <p:spPr/>
+        <p:spPr>
+          <a:effectLst/>
+        </p:spPr>
         <p:txBody>
           <a:bodyPr/>
           <a:lstStyle/>
           <a:p>
             <a:fld id="{93AE1883-0942-4AA3-9DB2-9C7C3A0314B1}" type="slidenum">
-              <a:rPr lang="en-US" smtClean="0"/>
+              <a:rPr lang="en-US" smtClean="0">
+                <a:effectLst/>
+              </a:rPr>
               <a:t>‹#›</a:t>
             </a:fld>
-            <a:endParaRPr lang="en-US"/>
+            <a:endParaRPr lang="en-US">
+              <a:effectLst/>
+            </a:endParaRPr>
           </a:p>
         </p:txBody>
       </p:sp>
@@ -3815,6 +4124,7 @@
           <a:off x="0" y="0"/>
           <a:ext cx="0" cy="0"/>
         </a:xfrm>
+        <a:effectLst/>
       </p:grpSpPr>
       <p:sp>
         <p:nvSpPr>
@@ -3826,16 +4136,22 @@
             <p:ph type="title"/>
           </p:nvPr>
         </p:nvSpPr>
-        <p:spPr/>
+        <p:spPr>
+          <a:effectLst/>
+        </p:spPr>
         <p:txBody>
           <a:bodyPr/>
           <a:lstStyle/>
           <a:p>
             <a:r>
-              <a:rPr lang="en-US" smtClean="0"/>
+              <a:rPr lang="en-US" smtClean="0">
+                <a:effectLst/>
+              </a:rPr>
               <a:t>Click to edit Master title style</a:t>
             </a:r>
-            <a:endParaRPr lang="en-US"/>
+            <a:endParaRPr lang="en-US">
+              <a:effectLst/>
+            </a:endParaRPr>
           </a:p>
         </p:txBody>
       </p:sp>
@@ -3854,51 +4170,72 @@
             <a:off x="457200" y="1535113"/>
             <a:ext cx="4040188" cy="639762"/>
           </a:xfrm>
+          <a:effectLst/>
         </p:spPr>
         <p:txBody>
           <a:bodyPr anchor="b"/>
           <a:lstStyle>
             <a:lvl1pPr marL="0" indent="0">
               <a:buNone/>
-              <a:defRPr sz="2400" b="1"/>
+              <a:defRPr sz="2400" b="1">
+                <a:effectLst/>
+              </a:defRPr>
             </a:lvl1pPr>
             <a:lvl2pPr marL="457200" indent="0">
               <a:buNone/>
-              <a:defRPr sz="2000" b="1"/>
+              <a:defRPr sz="2000" b="1">
+                <a:effectLst/>
+              </a:defRPr>
             </a:lvl2pPr>
             <a:lvl3pPr marL="914400" indent="0">
               <a:buNone/>
-              <a:defRPr sz="1800" b="1"/>
+              <a:defRPr sz="1800" b="1">
+                <a:effectLst/>
+              </a:defRPr>
             </a:lvl3pPr>
             <a:lvl4pPr marL="1371600" indent="0">
               <a:buNone/>
-              <a:defRPr sz="1600" b="1"/>
+              <a:defRPr sz="1600" b="1">
+                <a:effectLst/>
+              </a:defRPr>
             </a:lvl4pPr>
             <a:lvl5pPr marL="1828800" indent="0">
               <a:buNone/>
-              <a:defRPr sz="1600" b="1"/>
+              <a:defRPr sz="1600" b="1">
+                <a:effectLst/>
+              </a:defRPr>
             </a:lvl5pPr>
             <a:lvl6pPr marL="2286000" indent="0">
               <a:buNone/>
-              <a:defRPr sz="1600" b="1"/>
+              <a:defRPr sz="1600" b="1">
+                <a:effectLst/>
+              </a:defRPr>
             </a:lvl6pPr>
             <a:lvl7pPr marL="2743200" indent="0">
               <a:buNone/>
-              <a:defRPr sz="1600" b="1"/>
+              <a:defRPr sz="1600" b="1">
+                <a:effectLst/>
+              </a:defRPr>
             </a:lvl7pPr>
             <a:lvl8pPr marL="3200400" indent="0">
               <a:buNone/>
-              <a:defRPr sz="1600" b="1"/>
+              <a:defRPr sz="1600" b="1">
+                <a:effectLst/>
+              </a:defRPr>
             </a:lvl8pPr>
             <a:lvl9pPr marL="3657600" indent="0">
               <a:buNone/>
-              <a:defRPr sz="1600" b="1"/>
+              <a:defRPr sz="1600" b="1">
+                <a:effectLst/>
+              </a:defRPr>
             </a:lvl9pPr>
           </a:lstStyle>
           <a:p>
             <a:pPr lvl="0"/>
             <a:r>
-              <a:rPr lang="en-US" smtClean="0"/>
+              <a:rPr lang="en-US" smtClean="0">
+                <a:effectLst/>
+              </a:rPr>
               <a:t>Click to edit Master text styles</a:t>
             </a:r>
           </a:p>
@@ -3919,73 +4256,104 @@
             <a:off x="457200" y="2174875"/>
             <a:ext cx="4040188" cy="3951288"/>
           </a:xfrm>
+          <a:effectLst/>
         </p:spPr>
         <p:txBody>
           <a:bodyPr/>
           <a:lstStyle>
             <a:lvl1pPr>
-              <a:defRPr sz="2400"/>
+              <a:defRPr sz="2400">
+                <a:effectLst/>
+              </a:defRPr>
             </a:lvl1pPr>
             <a:lvl2pPr>
-              <a:defRPr sz="2000"/>
+              <a:defRPr sz="2000">
+                <a:effectLst/>
+              </a:defRPr>
             </a:lvl2pPr>
             <a:lvl3pPr>
-              <a:defRPr sz="1800"/>
+              <a:defRPr sz="1800">
+                <a:effectLst/>
+              </a:defRPr>
             </a:lvl3pPr>
             <a:lvl4pPr>
-              <a:defRPr sz="1600"/>
+              <a:defRPr sz="1600">
+                <a:effectLst/>
+              </a:defRPr>
             </a:lvl4pPr>
             <a:lvl5pPr>
-              <a:defRPr sz="1600"/>
+              <a:defRPr sz="1600">
+                <a:effectLst/>
+              </a:defRPr>
             </a:lvl5pPr>
             <a:lvl6pPr>
-              <a:defRPr sz="1600"/>
+              <a:defRPr sz="1600">
+                <a:effectLst/>
+              </a:defRPr>
             </a:lvl6pPr>
             <a:lvl7pPr>
-              <a:defRPr sz="1600"/>
+              <a:defRPr sz="1600">
+                <a:effectLst/>
+              </a:defRPr>
             </a:lvl7pPr>
             <a:lvl8pPr>
-              <a:defRPr sz="1600"/>
+              <a:defRPr sz="1600">
+                <a:effectLst/>
+              </a:defRPr>
             </a:lvl8pPr>
             <a:lvl9pPr>
-              <a:defRPr sz="1600"/>
+              <a:defRPr sz="1600">
+                <a:effectLst/>
+              </a:defRPr>
             </a:lvl9pPr>
           </a:lstStyle>
           <a:p>
             <a:pPr lvl="0"/>
             <a:r>
-              <a:rPr lang="en-US" smtClean="0"/>
+              <a:rPr lang="en-US" smtClean="0">
+                <a:effectLst/>
+              </a:rPr>
               <a:t>Click to edit Master text styles</a:t>
             </a:r>
           </a:p>
           <a:p>
             <a:pPr lvl="1"/>
             <a:r>
-              <a:rPr lang="en-US" smtClean="0"/>
+              <a:rPr lang="en-US" smtClean="0">
+                <a:effectLst/>
+              </a:rPr>
               <a:t>Second level</a:t>
             </a:r>
           </a:p>
           <a:p>
             <a:pPr lvl="2"/>
             <a:r>
-              <a:rPr lang="en-US" smtClean="0"/>
+              <a:rPr lang="en-US" smtClean="0">
+                <a:effectLst/>
+              </a:rPr>
               <a:t>Third level</a:t>
             </a:r>
           </a:p>
           <a:p>
             <a:pPr lvl="3"/>
             <a:r>
-              <a:rPr lang="en-US" smtClean="0"/>
+              <a:rPr lang="en-US" smtClean="0">
+                <a:effectLst/>
+              </a:rPr>
               <a:t>Fourth level</a:t>
             </a:r>
           </a:p>
           <a:p>
             <a:pPr lvl="4"/>
             <a:r>
-              <a:rPr lang="en-US" smtClean="0"/>
+              <a:rPr lang="en-US" smtClean="0">
+                <a:effectLst/>
+              </a:rPr>
               <a:t>Fifth level</a:t>
             </a:r>
-            <a:endParaRPr lang="en-US"/>
+            <a:endParaRPr lang="en-US">
+              <a:effectLst/>
+            </a:endParaRPr>
           </a:p>
         </p:txBody>
       </p:sp>
@@ -4004,51 +4372,72 @@
             <a:off x="4645025" y="1535113"/>
             <a:ext cx="4041775" cy="639762"/>
           </a:xfrm>
+          <a:effectLst/>
         </p:spPr>
         <p:txBody>
           <a:bodyPr anchor="b"/>
           <a:lstStyle>
             <a:lvl1pPr marL="0" indent="0">
               <a:buNone/>
-              <a:defRPr sz="2400" b="1"/>
+              <a:defRPr sz="2400" b="1">
+                <a:effectLst/>
+              </a:defRPr>
             </a:lvl1pPr>
             <a:lvl2pPr marL="457200" indent="0">
               <a:buNone/>
-              <a:defRPr sz="2000" b="1"/>
+              <a:defRPr sz="2000" b="1">
+                <a:effectLst/>
+              </a:defRPr>
             </a:lvl2pPr>
             <a:lvl3pPr marL="914400" indent="0">
               <a:buNone/>
-              <a:defRPr sz="1800" b="1"/>
+              <a:defRPr sz="1800" b="1">
+                <a:effectLst/>
+              </a:defRPr>
             </a:lvl3pPr>
             <a:lvl4pPr marL="1371600" indent="0">
               <a:buNone/>
-              <a:defRPr sz="1600" b="1"/>
+              <a:defRPr sz="1600" b="1">
+                <a:effectLst/>
+              </a:defRPr>
             </a:lvl4pPr>
             <a:lvl5pPr marL="1828800" indent="0">
               <a:buNone/>
-              <a:defRPr sz="1600" b="1"/>
+              <a:defRPr sz="1600" b="1">
+                <a:effectLst/>
+              </a:defRPr>
             </a:lvl5pPr>
             <a:lvl6pPr marL="2286000" indent="0">
               <a:buNone/>
-              <a:defRPr sz="1600" b="1"/>
+              <a:defRPr sz="1600" b="1">
+                <a:effectLst/>
+              </a:defRPr>
             </a:lvl6pPr>
             <a:lvl7pPr marL="2743200" indent="0">
               <a:buNone/>
-              <a:defRPr sz="1600" b="1"/>
+              <a:defRPr sz="1600" b="1">
+                <a:effectLst/>
+              </a:defRPr>
             </a:lvl7pPr>
             <a:lvl8pPr marL="3200400" indent="0">
               <a:buNone/>
-              <a:defRPr sz="1600" b="1"/>
+              <a:defRPr sz="1600" b="1">
+                <a:effectLst/>
+              </a:defRPr>
             </a:lvl8pPr>
             <a:lvl9pPr marL="3657600" indent="0">
               <a:buNone/>
-              <a:defRPr sz="1600" b="1"/>
+              <a:defRPr sz="1600" b="1">
+                <a:effectLst/>
+              </a:defRPr>
             </a:lvl9pPr>
           </a:lstStyle>
           <a:p>
             <a:pPr lvl="0"/>
             <a:r>
-              <a:rPr lang="en-US" smtClean="0"/>
+              <a:rPr lang="en-US" smtClean="0">
+                <a:effectLst/>
+              </a:rPr>
               <a:t>Click to edit Master text styles</a:t>
             </a:r>
           </a:p>
@@ -4069,73 +4458,104 @@
             <a:off x="4645025" y="2174875"/>
             <a:ext cx="4041775" cy="3951288"/>
           </a:xfrm>
+          <a:effectLst/>
         </p:spPr>
         <p:txBody>
           <a:bodyPr/>
           <a:lstStyle>
             <a:lvl1pPr>
-              <a:defRPr sz="2400"/>
+              <a:defRPr sz="2400">
+                <a:effectLst/>
+              </a:defRPr>
             </a:lvl1pPr>
             <a:lvl2pPr>
-              <a:defRPr sz="2000"/>
+              <a:defRPr sz="2000">
+                <a:effectLst/>
+              </a:defRPr>
             </a:lvl2pPr>
             <a:lvl3pPr>
-              <a:defRPr sz="1800"/>
+              <a:defRPr sz="1800">
+                <a:effectLst/>
+              </a:defRPr>
             </a:lvl3pPr>
             <a:lvl4pPr>
-              <a:defRPr sz="1600"/>
+              <a:defRPr sz="1600">
+                <a:effectLst/>
+              </a:defRPr>
             </a:lvl4pPr>
             <a:lvl5pPr>
-              <a:defRPr sz="1600"/>
+              <a:defRPr sz="1600">
+                <a:effectLst/>
+              </a:defRPr>
             </a:lvl5pPr>
             <a:lvl6pPr>
-              <a:defRPr sz="1600"/>
+              <a:defRPr sz="1600">
+                <a:effectLst/>
+              </a:defRPr>
             </a:lvl6pPr>
             <a:lvl7pPr>
-              <a:defRPr sz="1600"/>
+              <a:defRPr sz="1600">
+                <a:effectLst/>
+              </a:defRPr>
             </a:lvl7pPr>
             <a:lvl8pPr>
-              <a:defRPr sz="1600"/>
+              <a:defRPr sz="1600">
+                <a:effectLst/>
+              </a:defRPr>
             </a:lvl8pPr>
             <a:lvl9pPr>
-              <a:defRPr sz="1600"/>
+              <a:defRPr sz="1600">
+                <a:effectLst/>
+              </a:defRPr>
             </a:lvl9pPr>
           </a:lstStyle>
           <a:p>
             <a:pPr lvl="0"/>
             <a:r>
-              <a:rPr lang="en-US" smtClean="0"/>
+              <a:rPr lang="en-US" smtClean="0">
+                <a:effectLst/>
+              </a:rPr>
               <a:t>Click to edit Master text styles</a:t>
             </a:r>
           </a:p>
           <a:p>
             <a:pPr lvl="1"/>
             <a:r>
-              <a:rPr lang="en-US" smtClean="0"/>
+              <a:rPr lang="en-US" smtClean="0">
+                <a:effectLst/>
+              </a:rPr>
               <a:t>Second level</a:t>
             </a:r>
           </a:p>
           <a:p>
             <a:pPr lvl="2"/>
             <a:r>
-              <a:rPr lang="en-US" smtClean="0"/>
+              <a:rPr lang="en-US" smtClean="0">
+                <a:effectLst/>
+              </a:rPr>
               <a:t>Third level</a:t>
             </a:r>
           </a:p>
           <a:p>
             <a:pPr lvl="3"/>
             <a:r>
-              <a:rPr lang="en-US" smtClean="0"/>
+              <a:rPr lang="en-US" smtClean="0">
+                <a:effectLst/>
+              </a:rPr>
               <a:t>Fourth level</a:t>
             </a:r>
           </a:p>
           <a:p>
             <a:pPr lvl="4"/>
             <a:r>
-              <a:rPr lang="en-US" smtClean="0"/>
+              <a:rPr lang="en-US" smtClean="0">
+                <a:effectLst/>
+              </a:rPr>
               <a:t>Fifth level</a:t>
             </a:r>
-            <a:endParaRPr lang="en-US"/>
+            <a:endParaRPr lang="en-US">
+              <a:effectLst/>
+            </a:endParaRPr>
           </a:p>
         </p:txBody>
       </p:sp>
@@ -4149,16 +4569,22 @@
             <p:ph type="dt" sz="half" idx="10"/>
           </p:nvPr>
         </p:nvSpPr>
-        <p:spPr/>
+        <p:spPr>
+          <a:effectLst/>
+        </p:spPr>
         <p:txBody>
           <a:bodyPr/>
           <a:lstStyle/>
           <a:p>
             <a:fld id="{E8FD0B7A-F5DD-4F40-B4CB-3B2C354B893A}" type="datetimeFigureOut">
-              <a:rPr lang="en-US" smtClean="0"/>
+              <a:rPr lang="en-US" smtClean="0">
+                <a:effectLst/>
+              </a:rPr>
               <a:t>Date</a:t>
             </a:fld>
-            <a:endParaRPr lang="en-US"/>
+            <a:endParaRPr lang="en-US">
+              <a:effectLst/>
+            </a:endParaRPr>
           </a:p>
         </p:txBody>
       </p:sp>
@@ -4172,12 +4598,16 @@
             <p:ph type="ftr" sz="quarter" idx="11"/>
           </p:nvPr>
         </p:nvSpPr>
-        <p:spPr/>
+        <p:spPr>
+          <a:effectLst/>
+        </p:spPr>
         <p:txBody>
           <a:bodyPr/>
           <a:lstStyle/>
           <a:p>
-            <a:endParaRPr lang="en-US"/>
+            <a:endParaRPr lang="en-US">
+              <a:effectLst/>
+            </a:endParaRPr>
           </a:p>
         </p:txBody>
       </p:sp>
@@ -4191,16 +4621,22 @@
             <p:ph type="sldNum" sz="quarter" idx="12"/>
           </p:nvPr>
         </p:nvSpPr>
-        <p:spPr/>
+        <p:spPr>
+          <a:effectLst/>
+        </p:spPr>
         <p:txBody>
           <a:bodyPr/>
           <a:lstStyle/>
           <a:p>
             <a:fld id="{93AE1883-0942-4AA3-9DB2-9C7C3A0314B1}" type="slidenum">
-              <a:rPr lang="en-US" smtClean="0"/>
+              <a:rPr lang="en-US" smtClean="0">
+                <a:effectLst/>
+              </a:rPr>
               <a:t>‹#›</a:t>
             </a:fld>
-            <a:endParaRPr lang="en-US"/>
+            <a:endParaRPr lang="en-US">
+              <a:effectLst/>
+            </a:endParaRPr>
           </a:p>
         </p:txBody>
       </p:sp>
@@ -4228,6 +4664,7 @@
           <a:off x="0" y="0"/>
           <a:ext cx="0" cy="0"/>
         </a:xfrm>
+        <a:effectLst/>
       </p:grpSpPr>
       <p:sp>
         <p:nvSpPr>
@@ -4239,16 +4676,22 @@
             <p:ph type="title"/>
           </p:nvPr>
         </p:nvSpPr>
-        <p:spPr/>
+        <p:spPr>
+          <a:effectLst/>
+        </p:spPr>
         <p:txBody>
           <a:bodyPr/>
           <a:lstStyle/>
           <a:p>
             <a:r>
-              <a:rPr lang="en-US" smtClean="0"/>
+              <a:rPr lang="en-US" smtClean="0">
+                <a:effectLst/>
+              </a:rPr>
               <a:t>Click to edit Master title style</a:t>
             </a:r>
-            <a:endParaRPr lang="en-US"/>
+            <a:endParaRPr lang="en-US">
+              <a:effectLst/>
+            </a:endParaRPr>
           </a:p>
         </p:txBody>
       </p:sp>
@@ -4262,16 +4705,22 @@
             <p:ph type="dt" sz="half" idx="10"/>
           </p:nvPr>
         </p:nvSpPr>
-        <p:spPr/>
+        <p:spPr>
+          <a:effectLst/>
+        </p:spPr>
         <p:txBody>
           <a:bodyPr/>
           <a:lstStyle/>
           <a:p>
             <a:fld id="{E8FD0B7A-F5DD-4F40-B4CB-3B2C354B893A}" type="datetimeFigureOut">
-              <a:rPr lang="en-US" smtClean="0"/>
+              <a:rPr lang="en-US" smtClean="0">
+                <a:effectLst/>
+              </a:rPr>
               <a:t>Date</a:t>
             </a:fld>
-            <a:endParaRPr lang="en-US"/>
+            <a:endParaRPr lang="en-US">
+              <a:effectLst/>
+            </a:endParaRPr>
           </a:p>
         </p:txBody>
       </p:sp>
@@ -4285,12 +4734,16 @@
             <p:ph type="ftr" sz="quarter" idx="11"/>
           </p:nvPr>
         </p:nvSpPr>
-        <p:spPr/>
+        <p:spPr>
+          <a:effectLst/>
+        </p:spPr>
         <p:txBody>
           <a:bodyPr/>
           <a:lstStyle/>
           <a:p>
-            <a:endParaRPr lang="en-US"/>
+            <a:endParaRPr lang="en-US">
+              <a:effectLst/>
+            </a:endParaRPr>
           </a:p>
         </p:txBody>
       </p:sp>
@@ -4304,16 +4757,22 @@
             <p:ph type="sldNum" sz="quarter" idx="12"/>
           </p:nvPr>
         </p:nvSpPr>
-        <p:spPr/>
+        <p:spPr>
+          <a:effectLst/>
+        </p:spPr>
         <p:txBody>
           <a:bodyPr/>
           <a:lstStyle/>
           <a:p>
             <a:fld id="{93AE1883-0942-4AA3-9DB2-9C7C3A0314B1}" type="slidenum">
-              <a:rPr lang="en-US" smtClean="0"/>
+              <a:rPr lang="en-US" smtClean="0">
+                <a:effectLst/>
+              </a:rPr>
               <a:t>‹#›</a:t>
             </a:fld>
-            <a:endParaRPr lang="en-US"/>
+            <a:endParaRPr lang="en-US">
+              <a:effectLst/>
+            </a:endParaRPr>
           </a:p>
         </p:txBody>
       </p:sp>
@@ -4341,6 +4800,7 @@
           <a:off x="0" y="0"/>
           <a:ext cx="0" cy="0"/>
         </a:xfrm>
+        <a:effectLst/>
       </p:grpSpPr>
       <p:sp>
         <p:nvSpPr>
@@ -4352,16 +4812,22 @@
             <p:ph type="dt" sz="half" idx="10"/>
           </p:nvPr>
         </p:nvSpPr>
-        <p:spPr/>
+        <p:spPr>
+          <a:effectLst/>
+        </p:spPr>
         <p:txBody>
           <a:bodyPr/>
           <a:lstStyle/>
           <a:p>
             <a:fld id="{E8FD0B7A-F5DD-4F40-B4CB-3B2C354B893A}" type="datetimeFigureOut">
-              <a:rPr lang="en-US" smtClean="0"/>
+              <a:rPr lang="en-US" smtClean="0">
+                <a:effectLst/>
+              </a:rPr>
               <a:t>Date</a:t>
             </a:fld>
-            <a:endParaRPr lang="en-US"/>
+            <a:endParaRPr lang="en-US">
+              <a:effectLst/>
+            </a:endParaRPr>
           </a:p>
         </p:txBody>
       </p:sp>
@@ -4375,12 +4841,16 @@
             <p:ph type="ftr" sz="quarter" idx="11"/>
           </p:nvPr>
         </p:nvSpPr>
-        <p:spPr/>
+        <p:spPr>
+          <a:effectLst/>
+        </p:spPr>
         <p:txBody>
           <a:bodyPr/>
           <a:lstStyle/>
           <a:p>
-            <a:endParaRPr lang="en-US"/>
+            <a:endParaRPr lang="en-US">
+              <a:effectLst/>
+            </a:endParaRPr>
           </a:p>
         </p:txBody>
       </p:sp>
@@ -4394,16 +4864,22 @@
             <p:ph type="sldNum" sz="quarter" idx="12"/>
           </p:nvPr>
         </p:nvSpPr>
-        <p:spPr/>
+        <p:spPr>
+          <a:effectLst/>
+        </p:spPr>
         <p:txBody>
           <a:bodyPr/>
           <a:lstStyle/>
           <a:p>
             <a:fld id="{93AE1883-0942-4AA3-9DB2-9C7C3A0314B1}" type="slidenum">
-              <a:rPr lang="en-US" smtClean="0"/>
+              <a:rPr lang="en-US" smtClean="0">
+                <a:effectLst/>
+              </a:rPr>
               <a:t>‹#›</a:t>
             </a:fld>
-            <a:endParaRPr lang="en-US"/>
+            <a:endParaRPr lang="en-US">
+              <a:effectLst/>
+            </a:endParaRPr>
           </a:p>
         </p:txBody>
       </p:sp>
@@ -4431,6 +4907,7 @@
           <a:off x="0" y="0"/>
           <a:ext cx="0" cy="0"/>
         </a:xfrm>
+        <a:effectLst/>
       </p:grpSpPr>
       <p:sp>
         <p:nvSpPr>
@@ -4447,20 +4924,27 @@
             <a:off x="457200" y="273050"/>
             <a:ext cx="3008313" cy="1162050"/>
           </a:xfrm>
+          <a:effectLst/>
         </p:spPr>
         <p:txBody>
           <a:bodyPr anchor="b"/>
           <a:lstStyle>
             <a:lvl1pPr algn="l">
-              <a:defRPr sz="2000" b="1"/>
+              <a:defRPr sz="2000" b="1">
+                <a:effectLst/>
+              </a:defRPr>
             </a:lvl1pPr>
           </a:lstStyle>
           <a:p>
             <a:r>
-              <a:rPr lang="en-US" smtClean="0"/>
+              <a:rPr lang="en-US" smtClean="0">
+                <a:effectLst/>
+              </a:rPr>
               <a:t>Click to edit Master title style</a:t>
             </a:r>
-            <a:endParaRPr lang="en-US"/>
+            <a:endParaRPr lang="en-US">
+              <a:effectLst/>
+            </a:endParaRPr>
           </a:p>
         </p:txBody>
       </p:sp>
@@ -4479,73 +4963,104 @@
             <a:off x="3575050" y="273050"/>
             <a:ext cx="5111750" cy="5853113"/>
           </a:xfrm>
+          <a:effectLst/>
         </p:spPr>
         <p:txBody>
           <a:bodyPr/>
           <a:lstStyle>
             <a:lvl1pPr>
-              <a:defRPr sz="3200"/>
+              <a:defRPr sz="3200">
+                <a:effectLst/>
+              </a:defRPr>
             </a:lvl1pPr>
             <a:lvl2pPr>
-              <a:defRPr sz="2800"/>
+              <a:defRPr sz="2800">
+                <a:effectLst/>
+              </a:defRPr>
             </a:lvl2pPr>
             <a:lvl3pPr>
-              <a:defRPr sz="2400"/>
+              <a:defRPr sz="2400">
+                <a:effectLst/>
+              </a:defRPr>
             </a:lvl3pPr>
             <a:lvl4pPr>
-              <a:defRPr sz="2000"/>
+              <a:defRPr sz="2000">
+                <a:effectLst/>
+              </a:defRPr>
             </a:lvl4pPr>
             <a:lvl5pPr>
-              <a:defRPr sz="2000"/>
+              <a:defRPr sz="2000">
+                <a:effectLst/>
+              </a:defRPr>
             </a:lvl5pPr>
             <a:lvl6pPr>
-              <a:defRPr sz="2000"/>
+              <a:defRPr sz="2000">
+                <a:effectLst/>
+              </a:defRPr>
             </a:lvl6pPr>
             <a:lvl7pPr>
-              <a:defRPr sz="2000"/>
+              <a:defRPr sz="2000">
+                <a:effectLst/>
+              </a:defRPr>
             </a:lvl7pPr>
             <a:lvl8pPr>
-              <a:defRPr sz="2000"/>
+              <a:defRPr sz="2000">
+                <a:effectLst/>
+              </a:defRPr>
             </a:lvl8pPr>
             <a:lvl9pPr>
-              <a:defRPr sz="2000"/>
+              <a:defRPr sz="2000">
+                <a:effectLst/>
+              </a:defRPr>
             </a:lvl9pPr>
           </a:lstStyle>
           <a:p>
             <a:pPr lvl="0"/>
             <a:r>
-              <a:rPr lang="en-US" smtClean="0"/>
+              <a:rPr lang="en-US" smtClean="0">
+                <a:effectLst/>
+              </a:rPr>
               <a:t>Click to edit Master text styles</a:t>
             </a:r>
           </a:p>
           <a:p>
             <a:pPr lvl="1"/>
             <a:r>
-              <a:rPr lang="en-US" smtClean="0"/>
+              <a:rPr lang="en-US" smtClean="0">
+                <a:effectLst/>
+              </a:rPr>
               <a:t>Second level</a:t>
             </a:r>
           </a:p>
           <a:p>
             <a:pPr lvl="2"/>
             <a:r>
-              <a:rPr lang="en-US" smtClean="0"/>
+              <a:rPr lang="en-US" smtClean="0">
+                <a:effectLst/>
+              </a:rPr>
               <a:t>Third level</a:t>
             </a:r>
           </a:p>
           <a:p>
             <a:pPr lvl="3"/>
             <a:r>
-              <a:rPr lang="en-US" smtClean="0"/>
+              <a:rPr lang="en-US" smtClean="0">
+                <a:effectLst/>
+              </a:rPr>
               <a:t>Fourth level</a:t>
             </a:r>
           </a:p>
           <a:p>
             <a:pPr lvl="4"/>
             <a:r>
-              <a:rPr lang="en-US" smtClean="0"/>
+              <a:rPr lang="en-US" smtClean="0">
+                <a:effectLst/>
+              </a:rPr>
               <a:t>Fifth level</a:t>
             </a:r>
-            <a:endParaRPr lang="en-US"/>
+            <a:endParaRPr lang="en-US">
+              <a:effectLst/>
+            </a:endParaRPr>
           </a:p>
         </p:txBody>
       </p:sp>
@@ -4564,51 +5079,72 @@
             <a:off x="457200" y="1435100"/>
             <a:ext cx="3008313" cy="4691063"/>
           </a:xfrm>
+          <a:effectLst/>
         </p:spPr>
         <p:txBody>
           <a:bodyPr/>
           <a:lstStyle>
             <a:lvl1pPr marL="0" indent="0">
               <a:buNone/>
-              <a:defRPr sz="1400"/>
+              <a:defRPr sz="1400">
+                <a:effectLst/>
+              </a:defRPr>
             </a:lvl1pPr>
             <a:lvl2pPr marL="457200" indent="0">
               <a:buNone/>
-              <a:defRPr sz="1200"/>
+              <a:defRPr sz="1200">
+                <a:effectLst/>
+              </a:defRPr>
             </a:lvl2pPr>
             <a:lvl3pPr marL="914400" indent="0">
               <a:buNone/>
-              <a:defRPr sz="1000"/>
+              <a:defRPr sz="1000">
+                <a:effectLst/>
+              </a:defRPr>
             </a:lvl3pPr>
             <a:lvl4pPr marL="1371600" indent="0">
               <a:buNone/>
-              <a:defRPr sz="900"/>
+              <a:defRPr sz="900">
+                <a:effectLst/>
+              </a:defRPr>
             </a:lvl4pPr>
             <a:lvl5pPr marL="1828800" indent="0">
               <a:buNone/>
-              <a:defRPr sz="900"/>
+              <a:defRPr sz="900">
+                <a:effectLst/>
+              </a:defRPr>
             </a:lvl5pPr>
             <a:lvl6pPr marL="2286000" indent="0">
               <a:buNone/>
-              <a:defRPr sz="900"/>
+              <a:defRPr sz="900">
+                <a:effectLst/>
+              </a:defRPr>
             </a:lvl6pPr>
             <a:lvl7pPr marL="2743200" indent="0">
               <a:buNone/>
-              <a:defRPr sz="900"/>
+              <a:defRPr sz="900">
+                <a:effectLst/>
+              </a:defRPr>
             </a:lvl7pPr>
             <a:lvl8pPr marL="3200400" indent="0">
               <a:buNone/>
-              <a:defRPr sz="900"/>
+              <a:defRPr sz="900">
+                <a:effectLst/>
+              </a:defRPr>
             </a:lvl8pPr>
             <a:lvl9pPr marL="3657600" indent="0">
               <a:buNone/>
-              <a:defRPr sz="900"/>
+              <a:defRPr sz="900">
+                <a:effectLst/>
+              </a:defRPr>
             </a:lvl9pPr>
           </a:lstStyle>
           <a:p>
             <a:pPr lvl="0"/>
             <a:r>
-              <a:rPr lang="en-US" smtClean="0"/>
+              <a:rPr lang="en-US" smtClean="0">
+                <a:effectLst/>
+              </a:rPr>
               <a:t>Click to edit Master text styles</a:t>
             </a:r>
           </a:p>
@@ -4624,16 +5160,22 @@
             <p:ph type="dt" sz="half" idx="10"/>
           </p:nvPr>
         </p:nvSpPr>
-        <p:spPr/>
+        <p:spPr>
+          <a:effectLst/>
+        </p:spPr>
         <p:txBody>
           <a:bodyPr/>
           <a:lstStyle/>
           <a:p>
             <a:fld id="{E8FD0B7A-F5DD-4F40-B4CB-3B2C354B893A}" type="datetimeFigureOut">
-              <a:rPr lang="en-US" smtClean="0"/>
+              <a:rPr lang="en-US" smtClean="0">
+                <a:effectLst/>
+              </a:rPr>
               <a:t>Date</a:t>
             </a:fld>
-            <a:endParaRPr lang="en-US"/>
+            <a:endParaRPr lang="en-US">
+              <a:effectLst/>
+            </a:endParaRPr>
           </a:p>
         </p:txBody>
       </p:sp>
@@ -4647,12 +5189,16 @@
             <p:ph type="ftr" sz="quarter" idx="11"/>
           </p:nvPr>
         </p:nvSpPr>
-        <p:spPr/>
+        <p:spPr>
+          <a:effectLst/>
+        </p:spPr>
         <p:txBody>
           <a:bodyPr/>
           <a:lstStyle/>
           <a:p>
-            <a:endParaRPr lang="en-US"/>
+            <a:endParaRPr lang="en-US">
+              <a:effectLst/>
+            </a:endParaRPr>
           </a:p>
         </p:txBody>
       </p:sp>
@@ -4666,16 +5212,22 @@
             <p:ph type="sldNum" sz="quarter" idx="12"/>
           </p:nvPr>
         </p:nvSpPr>
-        <p:spPr/>
+        <p:spPr>
+          <a:effectLst/>
+        </p:spPr>
         <p:txBody>
           <a:bodyPr/>
           <a:lstStyle/>
           <a:p>
             <a:fld id="{93AE1883-0942-4AA3-9DB2-9C7C3A0314B1}" type="slidenum">
-              <a:rPr lang="en-US" smtClean="0"/>
+              <a:rPr lang="en-US" smtClean="0">
+                <a:effectLst/>
+              </a:rPr>
               <a:t>‹#›</a:t>
             </a:fld>
-            <a:endParaRPr lang="en-US"/>
+            <a:endParaRPr lang="en-US">
+              <a:effectLst/>
+            </a:endParaRPr>
           </a:p>
         </p:txBody>
       </p:sp>
@@ -4703,6 +5255,7 @@
           <a:off x="0" y="0"/>
           <a:ext cx="0" cy="0"/>
         </a:xfrm>
+        <a:effectLst/>
       </p:grpSpPr>
       <p:sp>
         <p:nvSpPr>
@@ -4719,20 +5272,27 @@
             <a:off x="1792288" y="4800600"/>
             <a:ext cx="5486400" cy="566738"/>
           </a:xfrm>
+          <a:effectLst/>
         </p:spPr>
         <p:txBody>
           <a:bodyPr anchor="b"/>
           <a:lstStyle>
             <a:lvl1pPr algn="l">
-              <a:defRPr sz="2000" b="1"/>
+              <a:defRPr sz="2000" b="1">
+                <a:effectLst/>
+              </a:defRPr>
             </a:lvl1pPr>
           </a:lstStyle>
           <a:p>
             <a:r>
-              <a:rPr lang="en-US" smtClean="0"/>
+              <a:rPr lang="en-US" smtClean="0">
+                <a:effectLst/>
+              </a:rPr>
               <a:t>Click to edit Master title style</a:t>
             </a:r>
-            <a:endParaRPr lang="en-US"/>
+            <a:endParaRPr lang="en-US">
+              <a:effectLst/>
+            </a:endParaRPr>
           </a:p>
         </p:txBody>
       </p:sp>
@@ -4751,49 +5311,70 @@
             <a:off x="1792288" y="612775"/>
             <a:ext cx="5486400" cy="4114800"/>
           </a:xfrm>
+          <a:effectLst/>
         </p:spPr>
         <p:txBody>
           <a:bodyPr/>
           <a:lstStyle>
             <a:lvl1pPr marL="0" indent="0">
               <a:buNone/>
-              <a:defRPr sz="3200"/>
+              <a:defRPr sz="3200">
+                <a:effectLst/>
+              </a:defRPr>
             </a:lvl1pPr>
             <a:lvl2pPr marL="457200" indent="0">
               <a:buNone/>
-              <a:defRPr sz="2800"/>
+              <a:defRPr sz="2800">
+                <a:effectLst/>
+              </a:defRPr>
             </a:lvl2pPr>
             <a:lvl3pPr marL="914400" indent="0">
               <a:buNone/>
-              <a:defRPr sz="2400"/>
+              <a:defRPr sz="2400">
+                <a:effectLst/>
+              </a:defRPr>
             </a:lvl3pPr>
             <a:lvl4pPr marL="1371600" indent="0">
               <a:buNone/>
-              <a:defRPr sz="2000"/>
+              <a:defRPr sz="2000">
+                <a:effectLst/>
+              </a:defRPr>
             </a:lvl4pPr>
             <a:lvl5pPr marL="1828800" indent="0">
               <a:buNone/>
-              <a:defRPr sz="2000"/>
+              <a:defRPr sz="2000">
+                <a:effectLst/>
+              </a:defRPr>
             </a:lvl5pPr>
             <a:lvl6pPr marL="2286000" indent="0">
               <a:buNone/>
-              <a:defRPr sz="2000"/>
+              <a:defRPr sz="2000">
+                <a:effectLst/>
+              </a:defRPr>
             </a:lvl6pPr>
             <a:lvl7pPr marL="2743200" indent="0">
               <a:buNone/>
-              <a:defRPr sz="2000"/>
+              <a:defRPr sz="2000">
+                <a:effectLst/>
+              </a:defRPr>
             </a:lvl7pPr>
             <a:lvl8pPr marL="3200400" indent="0">
               <a:buNone/>
-              <a:defRPr sz="2000"/>
+              <a:defRPr sz="2000">
+                <a:effectLst/>
+              </a:defRPr>
             </a:lvl8pPr>
             <a:lvl9pPr marL="3657600" indent="0">
               <a:buNone/>
-              <a:defRPr sz="2000"/>
+              <a:defRPr sz="2000">
+                <a:effectLst/>
+              </a:defRPr>
             </a:lvl9pPr>
           </a:lstStyle>
           <a:p>
-            <a:endParaRPr lang="en-US"/>
+            <a:endParaRPr lang="en-US">
+              <a:effectLst/>
+            </a:endParaRPr>
           </a:p>
         </p:txBody>
       </p:sp>
@@ -4812,51 +5393,72 @@
             <a:off x="1792288" y="5367338"/>
             <a:ext cx="5486400" cy="804862"/>
           </a:xfrm>
+          <a:effectLst/>
         </p:spPr>
         <p:txBody>
           <a:bodyPr/>
           <a:lstStyle>
             <a:lvl1pPr marL="0" indent="0">
               <a:buNone/>
-              <a:defRPr sz="1400"/>
+              <a:defRPr sz="1400">
+                <a:effectLst/>
+              </a:defRPr>
             </a:lvl1pPr>
             <a:lvl2pPr marL="457200" indent="0">
               <a:buNone/>
-              <a:defRPr sz="1200"/>
+              <a:defRPr sz="1200">
+                <a:effectLst/>
+              </a:defRPr>
             </a:lvl2pPr>
             <a:lvl3pPr marL="914400" indent="0">
               <a:buNone/>
-              <a:defRPr sz="1000"/>
+              <a:defRPr sz="1000">
+                <a:effectLst/>
+              </a:defRPr>
             </a:lvl3pPr>
             <a:lvl4pPr marL="1371600" indent="0">
               <a:buNone/>
-              <a:defRPr sz="900"/>
+              <a:defRPr sz="900">
+                <a:effectLst/>
+              </a:defRPr>
             </a:lvl4pPr>
             <a:lvl5pPr marL="1828800" indent="0">
               <a:buNone/>
-              <a:defRPr sz="900"/>
+              <a:defRPr sz="900">
+                <a:effectLst/>
+              </a:defRPr>
             </a:lvl5pPr>
             <a:lvl6pPr marL="2286000" indent="0">
               <a:buNone/>
-              <a:defRPr sz="900"/>
+              <a:defRPr sz="900">
+                <a:effectLst/>
+              </a:defRPr>
             </a:lvl6pPr>
             <a:lvl7pPr marL="2743200" indent="0">
               <a:buNone/>
-              <a:defRPr sz="900"/>
+              <a:defRPr sz="900">
+                <a:effectLst/>
+              </a:defRPr>
             </a:lvl7pPr>
             <a:lvl8pPr marL="3200400" indent="0">
               <a:buNone/>
-              <a:defRPr sz="900"/>
+              <a:defRPr sz="900">
+                <a:effectLst/>
+              </a:defRPr>
             </a:lvl8pPr>
             <a:lvl9pPr marL="3657600" indent="0">
               <a:buNone/>
-              <a:defRPr sz="900"/>
+              <a:defRPr sz="900">
+                <a:effectLst/>
+              </a:defRPr>
             </a:lvl9pPr>
           </a:lstStyle>
           <a:p>
             <a:pPr lvl="0"/>
             <a:r>
-              <a:rPr lang="en-US" smtClean="0"/>
+              <a:rPr lang="en-US" smtClean="0">
+                <a:effectLst/>
+              </a:rPr>
               <a:t>Click to edit Master text styles</a:t>
             </a:r>
           </a:p>
@@ -4872,16 +5474,22 @@
             <p:ph type="dt" sz="half" idx="10"/>
           </p:nvPr>
         </p:nvSpPr>
-        <p:spPr/>
+        <p:spPr>
+          <a:effectLst/>
+        </p:spPr>
         <p:txBody>
           <a:bodyPr/>
           <a:lstStyle/>
           <a:p>
             <a:fld id="{E8FD0B7A-F5DD-4F40-B4CB-3B2C354B893A}" type="datetimeFigureOut">
-              <a:rPr lang="en-US" smtClean="0"/>
+              <a:rPr lang="en-US" smtClean="0">
+                <a:effectLst/>
+              </a:rPr>
               <a:t>Date</a:t>
             </a:fld>
-            <a:endParaRPr lang="en-US"/>
+            <a:endParaRPr lang="en-US">
+              <a:effectLst/>
+            </a:endParaRPr>
           </a:p>
         </p:txBody>
       </p:sp>
@@ -4895,12 +5503,16 @@
             <p:ph type="ftr" sz="quarter" idx="11"/>
           </p:nvPr>
         </p:nvSpPr>
-        <p:spPr/>
+        <p:spPr>
+          <a:effectLst/>
+        </p:spPr>
         <p:txBody>
           <a:bodyPr/>
           <a:lstStyle/>
           <a:p>
-            <a:endParaRPr lang="en-US"/>
+            <a:endParaRPr lang="en-US">
+              <a:effectLst/>
+            </a:endParaRPr>
           </a:p>
         </p:txBody>
       </p:sp>
@@ -4914,16 +5526,22 @@
             <p:ph type="sldNum" sz="quarter" idx="12"/>
           </p:nvPr>
         </p:nvSpPr>
-        <p:spPr/>
+        <p:spPr>
+          <a:effectLst/>
+        </p:spPr>
         <p:txBody>
           <a:bodyPr/>
           <a:lstStyle/>
           <a:p>
             <a:fld id="{93AE1883-0942-4AA3-9DB2-9C7C3A0314B1}" type="slidenum">
-              <a:rPr lang="en-US" smtClean="0"/>
+              <a:rPr lang="en-US" smtClean="0">
+                <a:effectLst/>
+              </a:rPr>
               <a:t>‹#›</a:t>
             </a:fld>
-            <a:endParaRPr lang="en-US"/>
+            <a:endParaRPr lang="en-US">
+              <a:effectLst/>
+            </a:endParaRPr>
           </a:p>
         </p:txBody>
       </p:sp>
@@ -4956,6 +5574,7 @@
           <a:off x="0" y="0"/>
           <a:ext cx="0" cy="0"/>
         </a:xfrm>
+        <a:effectLst/>
       </p:grpSpPr>
       <p:sp>
         <p:nvSpPr>
@@ -4975,6 +5594,7 @@
           <a:prstGeom prst="rect">
             <a:avLst/>
           </a:prstGeom>
+          <a:effectLst/>
         </p:spPr>
         <p:txBody>
           <a:bodyPr vert="horz" lIns="91440" tIns="45720" rIns="91440" bIns="45720" rtlCol="0" anchor="ctr">
@@ -4983,10 +5603,14 @@
           <a:lstStyle/>
           <a:p>
             <a:r>
-              <a:rPr lang="en-US" smtClean="0"/>
+              <a:rPr lang="en-US" smtClean="0">
+                <a:effectLst/>
+              </a:rPr>
               <a:t>Click to edit Master title style</a:t>
             </a:r>
-            <a:endParaRPr lang="en-US"/>
+            <a:endParaRPr lang="en-US">
+              <a:effectLst/>
+            </a:endParaRPr>
           </a:p>
         </p:txBody>
       </p:sp>
@@ -5008,6 +5632,7 @@
           <a:prstGeom prst="rect">
             <a:avLst/>
           </a:prstGeom>
+          <a:effectLst/>
         </p:spPr>
         <p:txBody>
           <a:bodyPr vert="horz" lIns="91440" tIns="45720" rIns="91440" bIns="45720" rtlCol="0">
@@ -5017,38 +5642,50 @@
           <a:p>
             <a:pPr lvl="0"/>
             <a:r>
-              <a:rPr lang="en-US" smtClean="0"/>
+              <a:rPr lang="en-US" smtClean="0">
+                <a:effectLst/>
+              </a:rPr>
               <a:t>Click to edit Master text styles</a:t>
             </a:r>
           </a:p>
           <a:p>
             <a:pPr lvl="1"/>
             <a:r>
-              <a:rPr lang="en-US" smtClean="0"/>
+              <a:rPr lang="en-US" smtClean="0">
+                <a:effectLst/>
+              </a:rPr>
               <a:t>Second level</a:t>
             </a:r>
           </a:p>
           <a:p>
             <a:pPr lvl="2"/>
             <a:r>
-              <a:rPr lang="en-US" smtClean="0"/>
+              <a:rPr lang="en-US" smtClean="0">
+                <a:effectLst/>
+              </a:rPr>
               <a:t>Third level</a:t>
             </a:r>
           </a:p>
           <a:p>
             <a:pPr lvl="3"/>
             <a:r>
-              <a:rPr lang="en-US" smtClean="0"/>
+              <a:rPr lang="en-US" smtClean="0">
+                <a:effectLst/>
+              </a:rPr>
               <a:t>Fourth level</a:t>
             </a:r>
           </a:p>
           <a:p>
             <a:pPr lvl="4"/>
             <a:r>
-              <a:rPr lang="en-US" smtClean="0"/>
+              <a:rPr lang="en-US" smtClean="0">
+                <a:effectLst/>
+              </a:rPr>
               <a:t>Fifth level</a:t>
             </a:r>
-            <a:endParaRPr lang="en-US"/>
+            <a:endParaRPr lang="en-US">
+              <a:effectLst/>
+            </a:endParaRPr>
           </a:p>
         </p:txBody>
       </p:sp>
@@ -5070,6 +5707,7 @@
           <a:prstGeom prst="rect">
             <a:avLst/>
           </a:prstGeom>
+          <a:effectLst/>
         </p:spPr>
         <p:txBody>
           <a:bodyPr vert="horz" lIns="91440" tIns="45720" rIns="91440" bIns="45720" rtlCol="0" anchor="ctr"/>
@@ -5081,15 +5719,20 @@
                     <a:tint val="75000"/>
                   </a:schemeClr>
                 </a:solidFill>
+                <a:effectLst/>
               </a:defRPr>
             </a:lvl1pPr>
           </a:lstStyle>
           <a:p>
             <a:fld id="{E8FD0B7A-F5DD-4F40-B4CB-3B2C354B893A}" type="datetimeFigureOut">
-              <a:rPr lang="en-US" smtClean="0"/>
+              <a:rPr lang="en-US" smtClean="0">
+                <a:effectLst/>
+              </a:rPr>
               <a:t>11/7/2009</a:t>
             </a:fld>
-            <a:endParaRPr lang="en-US"/>
+            <a:endParaRPr lang="en-US">
+              <a:effectLst/>
+            </a:endParaRPr>
           </a:p>
         </p:txBody>
       </p:sp>
@@ -5111,6 +5754,7 @@
           <a:prstGeom prst="rect">
             <a:avLst/>
           </a:prstGeom>
+          <a:effectLst/>
         </p:spPr>
         <p:txBody>
           <a:bodyPr vert="horz" lIns="91440" tIns="45720" rIns="91440" bIns="45720" rtlCol="0" anchor="ctr"/>
@@ -5122,11 +5766,14 @@
                     <a:tint val="75000"/>
                   </a:schemeClr>
                 </a:solidFill>
+                <a:effectLst/>
               </a:defRPr>
             </a:lvl1pPr>
           </a:lstStyle>
           <a:p>
-            <a:endParaRPr lang="en-US"/>
+            <a:endParaRPr lang="en-US">
+              <a:effectLst/>
+            </a:endParaRPr>
           </a:p>
         </p:txBody>
       </p:sp>
@@ -5148,6 +5795,7 @@
           <a:prstGeom prst="rect">
             <a:avLst/>
           </a:prstGeom>
+          <a:effectLst/>
         </p:spPr>
         <p:txBody>
           <a:bodyPr vert="horz" lIns="91440" tIns="45720" rIns="91440" bIns="45720" rtlCol="0" anchor="ctr"/>
@@ -5159,15 +5807,20 @@
                     <a:tint val="75000"/>
                   </a:schemeClr>
                 </a:solidFill>
+                <a:effectLst/>
               </a:defRPr>
             </a:lvl1pPr>
           </a:lstStyle>
           <a:p>
             <a:fld id="{93AE1883-0942-4AA3-9DB2-9C7C3A0314B1}" type="slidenum">
-              <a:rPr lang="en-US" smtClean="0"/>
+              <a:rPr lang="en-US" smtClean="0">
+                <a:effectLst/>
+              </a:rPr>
               <a:t>‹#›</a:t>
             </a:fld>
-            <a:endParaRPr lang="en-US"/>
+            <a:endParaRPr lang="en-US">
+              <a:effectLst/>
+            </a:endParaRPr>
           </a:p>
         </p:txBody>
       </p:sp>
@@ -5200,6 +5853,7 @@
           <a:solidFill>
             <a:schemeClr val="tx1"/>
           </a:solidFill>
+          <a:effectLst/>
           <a:latin typeface="+mj-lt"/>
           <a:ea typeface="+mj-ea"/>
           <a:cs typeface="+mj-cs"/>
@@ -5217,6 +5871,7 @@
           <a:solidFill>
             <a:schemeClr val="tx1"/>
           </a:solidFill>
+          <a:effectLst/>
           <a:latin typeface="+mn-lt"/>
           <a:ea typeface="+mn-ea"/>
           <a:cs typeface="+mn-cs"/>
@@ -5232,6 +5887,7 @@
           <a:solidFill>
             <a:schemeClr val="tx1"/>
           </a:solidFill>
+          <a:effectLst/>
           <a:latin typeface="+mn-lt"/>
           <a:ea typeface="+mn-ea"/>
           <a:cs typeface="+mn-cs"/>
@@ -5247,6 +5903,7 @@
           <a:solidFill>
             <a:schemeClr val="tx1"/>
           </a:solidFill>
+          <a:effectLst/>
           <a:latin typeface="+mn-lt"/>
           <a:ea typeface="+mn-ea"/>
           <a:cs typeface="+mn-cs"/>
@@ -5262,6 +5919,7 @@
           <a:solidFill>
             <a:schemeClr val="tx1"/>
           </a:solidFill>
+          <a:effectLst/>
           <a:latin typeface="+mn-lt"/>
           <a:ea typeface="+mn-ea"/>
           <a:cs typeface="+mn-cs"/>
@@ -5277,6 +5935,7 @@
           <a:solidFill>
             <a:schemeClr val="tx1"/>
           </a:solidFill>
+          <a:effectLst/>
           <a:latin typeface="+mn-lt"/>
           <a:ea typeface="+mn-ea"/>
           <a:cs typeface="+mn-cs"/>
@@ -5292,6 +5951,7 @@
           <a:solidFill>
             <a:schemeClr val="tx1"/>
           </a:solidFill>
+          <a:effectLst/>
           <a:latin typeface="+mn-lt"/>
           <a:ea typeface="+mn-ea"/>
           <a:cs typeface="+mn-cs"/>
@@ -5307,6 +5967,7 @@
           <a:solidFill>
             <a:schemeClr val="tx1"/>
           </a:solidFill>
+          <a:effectLst/>
           <a:latin typeface="+mn-lt"/>
           <a:ea typeface="+mn-ea"/>
           <a:cs typeface="+mn-cs"/>
@@ -5322,6 +5983,7 @@
           <a:solidFill>
             <a:schemeClr val="tx1"/>
           </a:solidFill>
+          <a:effectLst/>
           <a:latin typeface="+mn-lt"/>
           <a:ea typeface="+mn-ea"/>
           <a:cs typeface="+mn-cs"/>
@@ -5337,6 +5999,7 @@
           <a:solidFill>
             <a:schemeClr val="tx1"/>
           </a:solidFill>
+          <a:effectLst/>
           <a:latin typeface="+mn-lt"/>
           <a:ea typeface="+mn-ea"/>
           <a:cs typeface="+mn-cs"/>
@@ -5345,13 +6008,16 @@
     </p:bodyStyle>
     <p:otherStyle>
       <a:defPPr>
-        <a:defRPr lang="en-US"/>
+        <a:defRPr lang="en-US">
+          <a:effectLst/>
+        </a:defRPr>
       </a:defPPr>
       <a:lvl1pPr marL="0" algn="l" defTabSz="914400" rtl="0" eaLnBrk="1" latinLnBrk="0" hangingPunct="1">
         <a:defRPr sz="1800" kern="1200">
           <a:solidFill>
             <a:schemeClr val="tx1"/>
           </a:solidFill>
+          <a:effectLst/>
           <a:latin typeface="+mn-lt"/>
           <a:ea typeface="+mn-ea"/>
           <a:cs typeface="+mn-cs"/>
@@ -5362,6 +6028,7 @@
           <a:solidFill>
             <a:schemeClr val="tx1"/>
           </a:solidFill>
+          <a:effectLst/>
           <a:latin typeface="+mn-lt"/>
           <a:ea typeface="+mn-ea"/>
           <a:cs typeface="+mn-cs"/>
@@ -5372,6 +6039,7 @@
           <a:solidFill>
             <a:schemeClr val="tx1"/>
           </a:solidFill>
+          <a:effectLst/>
           <a:latin typeface="+mn-lt"/>
           <a:ea typeface="+mn-ea"/>
           <a:cs typeface="+mn-cs"/>
@@ -5382,6 +6050,7 @@
           <a:solidFill>
             <a:schemeClr val="tx1"/>
           </a:solidFill>
+          <a:effectLst/>
           <a:latin typeface="+mn-lt"/>
           <a:ea typeface="+mn-ea"/>
           <a:cs typeface="+mn-cs"/>
@@ -5392,6 +6061,7 @@
           <a:solidFill>
             <a:schemeClr val="tx1"/>
           </a:solidFill>
+          <a:effectLst/>
           <a:latin typeface="+mn-lt"/>
           <a:ea typeface="+mn-ea"/>
           <a:cs typeface="+mn-cs"/>
@@ -5402,6 +6072,7 @@
           <a:solidFill>
             <a:schemeClr val="tx1"/>
           </a:solidFill>
+          <a:effectLst/>
           <a:latin typeface="+mn-lt"/>
           <a:ea typeface="+mn-ea"/>
           <a:cs typeface="+mn-cs"/>
@@ -5412,6 +6083,7 @@
           <a:solidFill>
             <a:schemeClr val="tx1"/>
           </a:solidFill>
+          <a:effectLst/>
           <a:latin typeface="+mn-lt"/>
           <a:ea typeface="+mn-ea"/>
           <a:cs typeface="+mn-cs"/>
@@ -5422,6 +6094,7 @@
           <a:solidFill>
             <a:schemeClr val="tx1"/>
           </a:solidFill>
+          <a:effectLst/>
           <a:latin typeface="+mn-lt"/>
           <a:ea typeface="+mn-ea"/>
           <a:cs typeface="+mn-cs"/>
@@ -5432,6 +6105,7 @@
           <a:solidFill>
             <a:schemeClr val="tx1"/>
           </a:solidFill>
+          <a:effectLst/>
           <a:latin typeface="+mn-lt"/>
           <a:ea typeface="+mn-ea"/>
           <a:cs typeface="+mn-cs"/>
@@ -5456,6 +6130,7 @@
           <a:off x="0" y="0"/>
           <a:ext cx="0" cy="0"/>
         </a:xfrm>
+        <a:effectLst/>
       </p:grpSpPr>
       <p:graphicFrame>
         <p:nvGraphicFramePr>
@@ -5476,6 +6151,78 @@
       <p:sp>
         <p:nvSpPr>
           <p:cNvPr id="3" name="TextBox"/>
+          <p:cNvSpPr txBox="1">
+            <a:spLocks noGrp="1" noSelect="1" noRot="1" noMove="1"/>
+          </p:cNvSpPr>
+          <p:nvPr/>
+        </p:nvSpPr>
+        <p:spPr>
+          <a:xfrm>
+            <a:off x="1366520" y="2644140"/>
+            <a:ext cx="6411372" cy="1569660"/>
+          </a:xfrm>
+          <a:prstGeom prst="rect">
+            <a:avLst/>
+          </a:prstGeom>
+          <a:noFill/>
+          <a:effectLst/>
+        </p:spPr>
+        <p:txBody>
+          <a:bodyPr wrap="none" rtlCol="0" anchor="ctr" anchorCtr="1">
+            <a:spAutoFit/>
+          </a:bodyPr>
+          <a:lstStyle>
+            <a:lvl1pPr algn="l">
+              <a:lnSpc>
+                <a:spcPct val="150000"/>
+              </a:lnSpc>
+              <a:spcBef>
+                <a:spcPct val="0"/>
+              </a:spcBef>
+              <a:spcAft>
+                <a:spcPct val="0"/>
+              </a:spcAft>
+              <a:defRPr lang="en-US" sz="3200" b="1" noProof="1">
+                <a:solidFill>
+                  <a:prstClr val="red">
+                    <a:lumOff val="30000"/>
+                    <a:alpha val="40000"/>
+                  </a:prstClr>
+                </a:solidFill>
+                <a:effectLst>
+                  <a:outerShdw blurRad="50800" dist="38100" algn="tr" rotWithShape="0">
+                    <a:prstClr val="black">
+                      <a:alpha val="80000"/>
+                    </a:prstClr>
+                  </a:outerShdw>
+                </a:effectLst>
+                <a:latin typeface="Calibri" pitchFamily="34" charset="0"/>
+              </a:defRPr>
+            </a:lvl1pPr>
+          </a:lstStyle>
+          <a:p>
+            <a:pPr algn="ctr"/>
+            <a:r>
+              <a:t>Evaluation only.</a:t>
+            </a:r>
+          </a:p>
+          <a:p>
+            <a:pPr algn="ctr"/>
+            <a:r>
+              <a:t>Created with Aspose.Slides for Java 14.7.0.0</a:t>
+            </a:r>
+          </a:p>
+          <a:p>
+            <a:pPr algn="ctr"/>
+            <a:r>
+              <a:t>Copyright 2004-2014 Aspose Pty Ltd.</a:t>
+            </a:r>
+          </a:p>
+        </p:txBody>
+      </p:sp>
+      <p:sp>
+        <p:nvSpPr>
+          <p:cNvPr id="4" name="TextBox"/>
           <p:cNvSpPr txBox="1">
             <a:spLocks noGrp="1" noSelect="1" noRot="1" noMove="1"/>
           </p:cNvSpPr>
@@ -5533,13 +6280,13 @@
           <a:p>
             <a:pPr algn="ctr"/>
             <a:r>
-              <a:t>Created with Aspose.Slides for Java 14.7.0.0</a:t>
+              <a:t>Created with Aspose.Slides for Java 15.5.0.0</a:t>
             </a:r>
           </a:p>
           <a:p>
             <a:pPr algn="ctr"/>
             <a:r>
-              <a:t>Copyright 2004-2014 Aspose Pty Ltd.</a:t>
+              <a:t>Copyright 2004-2015 Aspose Pty Ltd.</a:t>
             </a:r>
           </a:p>
         </p:txBody>
@@ -5556,9 +6303,9 @@
 
 <file path=ppt/tags/tag1.xml><?xml version="1.0" encoding="utf-8"?>
 <p:tagLst xmlns:p="http://schemas.openxmlformats.org/presentationml/2006/main">
-  <p:tag name="AS_RELEASE_DATE" val="2014.09.29"/>
+  <p:tag name="AS_RELEASE_DATE" val="2015.06.24"/>
   <p:tag name="AS_TITLE" val="Aspose.Slides for Java"/>
-  <p:tag name="AS_VERSION" val="14.7.0.0"/>
+  <p:tag name="AS_VERSION" val="15.5.0.0"/>
 </p:tagLst>
 </file>
 
@@ -5606,8 +6353,8 @@
     <a:fontScheme name="Office">
       <a:majorFont>
         <a:latin typeface="Calibri"/>
-        <a:ea typeface=""/>
-        <a:cs typeface=""/>
+        <a:ea typeface="Arial"/>
+        <a:cs typeface="Arial"/>
         <a:font script="Jpan" typeface="ＭＳ%20Ｐゴシック"/>
         <a:font script="Hang" typeface="맑은%20고딕"/>
         <a:font script="Hans" typeface="宋体"/>
@@ -5641,8 +6388,8 @@
       </a:majorFont>
       <a:minorFont>
         <a:latin typeface="Calibri"/>
-        <a:ea typeface=""/>
-        <a:cs typeface=""/>
+        <a:ea typeface="Arial"/>
+        <a:cs typeface="Arial"/>
         <a:font script="Jpan" typeface="ＭＳ%20Ｐゴシック"/>
         <a:font script="Hang" typeface="맑은%20고딕"/>
         <a:font script="Hans" typeface="宋体"/>
@@ -5702,6 +6449,7 @@
             </a:gs>
           </a:gsLst>
           <a:lin ang="16200000" scaled="1"/>
+          <a:tileRect/>
         </a:gradFill>
         <a:gradFill rotWithShape="1">
           <a:gsLst>
@@ -5725,6 +6473,7 @@
             </a:gs>
           </a:gsLst>
           <a:lin ang="16200000" scaled="0"/>
+          <a:tileRect/>
         </a:gradFill>
       </a:fillStyleLst>
       <a:lnStyleLst>
@@ -5787,6 +6536,12 @@
           </a:scene3d>
           <a:sp3d>
             <a:bevelT w="63500" h="25400"/>
+            <a:extrusionClr>
+              <a:prstClr val="black"/>
+            </a:extrusionClr>
+            <a:contourClr>
+              <a:prstClr val="black"/>
+            </a:contourClr>
           </a:sp3d>
         </a:effectStyle>
       </a:effectStyleLst>
@@ -5819,6 +6574,7 @@
           <a:path path="circle">
             <a:fillToRect l="50000" t="-80000" r="50000" b="180000"/>
           </a:path>
+          <a:tileRect/>
         </a:gradFill>
         <a:gradFill rotWithShape="1">
           <a:gsLst>
@@ -5838,6 +6594,7 @@
           <a:path path="circle">
             <a:fillToRect l="50000" t="50000" r="50000" b="50000"/>
           </a:path>
+          <a:tileRect/>
         </a:gradFill>
       </a:bgFillStyleLst>
     </a:fmtScheme>
